--- a/group-docs/presentation-v1.pptx
+++ b/group-docs/presentation-v1.pptx
@@ -3,12 +3,19 @@
 <p:presentation xmlns:a="http://schemas.openxmlformats.org/drawingml/2006/main" xmlns:p="http://schemas.openxmlformats.org/presentationml/2006/main" xmlns:r="http://schemas.openxmlformats.org/officeDocument/2006/relationships" xmlns:p14="http://schemas.microsoft.com/office/powerpoint/2010/main" xmlns:p15="http://schemas.microsoft.com/office/powerpoint/2012/main" xmlns:mc="http://schemas.openxmlformats.org/markup-compatibility/2006">
   <p:sldMasterIdLst>
     <p:sldMasterId id="2147483648" r:id="rId2"/>
+    <p:sldMasterId id="2147483661" r:id="rId3"/>
   </p:sldMasterIdLst>
+  <p:notesMasterIdLst>
+    <p:notesMasterId r:id="rId4"/>
+  </p:notesMasterIdLst>
   <p:sldIdLst>
-    <p:sldId id="256" r:id="rId3"/>
-    <p:sldId id="257" r:id="rId4"/>
-    <p:sldId id="258" r:id="rId5"/>
-    <p:sldId id="259" r:id="rId6"/>
+    <p:sldId id="256" r:id="rId5"/>
+    <p:sldId id="257" r:id="rId6"/>
+    <p:sldId id="258" r:id="rId7"/>
+    <p:sldId id="259" r:id="rId8"/>
+    <p:sldId id="260" r:id="rId9"/>
+    <p:sldId id="261" r:id="rId10"/>
+    <p:sldId id="262" r:id="rId11"/>
   </p:sldIdLst>
   <p:sldSz cx="10080625" cy="7559675"/>
   <p:notesSz cx="7559675" cy="10691812"/>
@@ -30,6 +37,569 @@
 - plan for raminder of project</p:text>
   </p:cm>
 </p:cmLst>
+</file>
+
+<file path=ppt/notesMasters/notesMaster1.xml><?xml version="1.0" encoding="utf-8"?>
+<p:notesMaster xmlns:a="http://schemas.openxmlformats.org/drawingml/2006/main" xmlns:p="http://schemas.openxmlformats.org/presentationml/2006/main" xmlns:r="http://schemas.openxmlformats.org/officeDocument/2006/relationships" xmlns:p14="http://schemas.microsoft.com/office/powerpoint/2010/main" xmlns:p15="http://schemas.microsoft.com/office/powerpoint/2012/main" xmlns:mc="http://schemas.openxmlformats.org/markup-compatibility/2006">
+  <p:cSld>
+    <p:spTree>
+      <p:nvGrpSpPr>
+        <p:cNvPr id="1" name=""/>
+        <p:cNvGrpSpPr/>
+        <p:nvPr/>
+      </p:nvGrpSpPr>
+      <p:grpSpPr>
+        <a:xfrm>
+          <a:off x="0" y="0"/>
+          <a:ext cx="0" cy="0"/>
+          <a:chOff x="0" y="0"/>
+          <a:chExt cx="0" cy="0"/>
+        </a:xfrm>
+      </p:grpSpPr>
+      <p:sp>
+        <p:nvSpPr>
+          <p:cNvPr id="72" name="PlaceHolder 1"/>
+          <p:cNvSpPr>
+            <a:spLocks noGrp="1"/>
+          </p:cNvSpPr>
+          <p:nvPr>
+            <p:ph type="body"/>
+          </p:nvPr>
+        </p:nvSpPr>
+        <p:spPr>
+          <a:xfrm>
+            <a:off x="756000" y="5078520"/>
+            <a:ext cx="6047640" cy="4811040"/>
+          </a:xfrm>
+          <a:prstGeom prst="rect">
+            <a:avLst/>
+          </a:prstGeom>
+        </p:spPr>
+        <p:txBody>
+          <a:bodyPr lIns="0" rIns="0" tIns="0" bIns="0"/>
+          <a:p>
+            <a:r>
+              <a:rPr b="0" lang="en-NZ" sz="2000" spc="-1" strike="noStrike">
+                <a:solidFill>
+                  <a:srgbClr val="000000"/>
+                </a:solidFill>
+                <a:uFill>
+                  <a:solidFill>
+                    <a:srgbClr val="ffffff"/>
+                  </a:solidFill>
+                </a:uFill>
+                <a:latin typeface="Arial"/>
+              </a:rPr>
+              <a:t>Click to edit the notes format</a:t>
+            </a:r>
+            <a:endParaRPr b="0" lang="en-NZ" sz="2000" spc="-1" strike="noStrike">
+              <a:solidFill>
+                <a:srgbClr val="000000"/>
+              </a:solidFill>
+              <a:uFill>
+                <a:solidFill>
+                  <a:srgbClr val="ffffff"/>
+                </a:solidFill>
+              </a:uFill>
+              <a:latin typeface="Arial"/>
+            </a:endParaRPr>
+          </a:p>
+        </p:txBody>
+      </p:sp>
+      <p:sp>
+        <p:nvSpPr>
+          <p:cNvPr id="73" name="PlaceHolder 2"/>
+          <p:cNvSpPr>
+            <a:spLocks noGrp="1"/>
+          </p:cNvSpPr>
+          <p:nvPr>
+            <p:ph type="hdr"/>
+          </p:nvPr>
+        </p:nvSpPr>
+        <p:spPr>
+          <a:xfrm>
+            <a:off x="0" y="0"/>
+            <a:ext cx="3280680" cy="534240"/>
+          </a:xfrm>
+          <a:prstGeom prst="rect">
+            <a:avLst/>
+          </a:prstGeom>
+        </p:spPr>
+        <p:txBody>
+          <a:bodyPr lIns="0" rIns="0" tIns="0" bIns="0"/>
+          <a:p>
+            <a:r>
+              <a:rPr b="0" lang="en-NZ" sz="1400" spc="-1" strike="noStrike">
+                <a:solidFill>
+                  <a:srgbClr val="000000"/>
+                </a:solidFill>
+                <a:uFill>
+                  <a:solidFill>
+                    <a:srgbClr val="ffffff"/>
+                  </a:solidFill>
+                </a:uFill>
+                <a:latin typeface="Times New Roman"/>
+              </a:rPr>
+              <a:t>&lt;header&gt;</a:t>
+            </a:r>
+            <a:endParaRPr b="0" lang="en-NZ" sz="1400" spc="-1" strike="noStrike">
+              <a:solidFill>
+                <a:srgbClr val="000000"/>
+              </a:solidFill>
+              <a:uFill>
+                <a:solidFill>
+                  <a:srgbClr val="ffffff"/>
+                </a:solidFill>
+              </a:uFill>
+              <a:latin typeface="Times New Roman"/>
+            </a:endParaRPr>
+          </a:p>
+        </p:txBody>
+      </p:sp>
+      <p:sp>
+        <p:nvSpPr>
+          <p:cNvPr id="74" name="PlaceHolder 3"/>
+          <p:cNvSpPr>
+            <a:spLocks noGrp="1"/>
+          </p:cNvSpPr>
+          <p:nvPr>
+            <p:ph type="dt"/>
+          </p:nvPr>
+        </p:nvSpPr>
+        <p:spPr>
+          <a:xfrm>
+            <a:off x="4278960" y="0"/>
+            <a:ext cx="3280680" cy="534240"/>
+          </a:xfrm>
+          <a:prstGeom prst="rect">
+            <a:avLst/>
+          </a:prstGeom>
+        </p:spPr>
+        <p:txBody>
+          <a:bodyPr lIns="0" rIns="0" tIns="0" bIns="0"/>
+          <a:p>
+            <a:pPr algn="r"/>
+            <a:r>
+              <a:rPr b="0" lang="en-NZ" sz="1400" spc="-1" strike="noStrike">
+                <a:solidFill>
+                  <a:srgbClr val="000000"/>
+                </a:solidFill>
+                <a:uFill>
+                  <a:solidFill>
+                    <a:srgbClr val="ffffff"/>
+                  </a:solidFill>
+                </a:uFill>
+                <a:latin typeface="Times New Roman"/>
+              </a:rPr>
+              <a:t>&lt;date/time&gt;</a:t>
+            </a:r>
+            <a:endParaRPr b="0" lang="en-NZ" sz="1400" spc="-1" strike="noStrike">
+              <a:solidFill>
+                <a:srgbClr val="000000"/>
+              </a:solidFill>
+              <a:uFill>
+                <a:solidFill>
+                  <a:srgbClr val="ffffff"/>
+                </a:solidFill>
+              </a:uFill>
+              <a:latin typeface="Times New Roman"/>
+            </a:endParaRPr>
+          </a:p>
+        </p:txBody>
+      </p:sp>
+      <p:sp>
+        <p:nvSpPr>
+          <p:cNvPr id="75" name="PlaceHolder 4"/>
+          <p:cNvSpPr>
+            <a:spLocks noGrp="1"/>
+          </p:cNvSpPr>
+          <p:nvPr>
+            <p:ph type="ftr"/>
+          </p:nvPr>
+        </p:nvSpPr>
+        <p:spPr>
+          <a:xfrm>
+            <a:off x="0" y="10157400"/>
+            <a:ext cx="3280680" cy="534240"/>
+          </a:xfrm>
+          <a:prstGeom prst="rect">
+            <a:avLst/>
+          </a:prstGeom>
+        </p:spPr>
+        <p:txBody>
+          <a:bodyPr lIns="0" rIns="0" tIns="0" bIns="0" anchor="b"/>
+          <a:p>
+            <a:r>
+              <a:rPr b="0" lang="en-NZ" sz="1400" spc="-1" strike="noStrike">
+                <a:solidFill>
+                  <a:srgbClr val="000000"/>
+                </a:solidFill>
+                <a:uFill>
+                  <a:solidFill>
+                    <a:srgbClr val="ffffff"/>
+                  </a:solidFill>
+                </a:uFill>
+                <a:latin typeface="Times New Roman"/>
+              </a:rPr>
+              <a:t>&lt;footer&gt;</a:t>
+            </a:r>
+            <a:endParaRPr b="0" lang="en-NZ" sz="1400" spc="-1" strike="noStrike">
+              <a:solidFill>
+                <a:srgbClr val="000000"/>
+              </a:solidFill>
+              <a:uFill>
+                <a:solidFill>
+                  <a:srgbClr val="ffffff"/>
+                </a:solidFill>
+              </a:uFill>
+              <a:latin typeface="Times New Roman"/>
+            </a:endParaRPr>
+          </a:p>
+        </p:txBody>
+      </p:sp>
+      <p:sp>
+        <p:nvSpPr>
+          <p:cNvPr id="76" name="PlaceHolder 5"/>
+          <p:cNvSpPr>
+            <a:spLocks noGrp="1"/>
+          </p:cNvSpPr>
+          <p:nvPr>
+            <p:ph type="sldNum"/>
+          </p:nvPr>
+        </p:nvSpPr>
+        <p:spPr>
+          <a:xfrm>
+            <a:off x="4278960" y="10157400"/>
+            <a:ext cx="3280680" cy="534240"/>
+          </a:xfrm>
+          <a:prstGeom prst="rect">
+            <a:avLst/>
+          </a:prstGeom>
+        </p:spPr>
+        <p:txBody>
+          <a:bodyPr lIns="0" rIns="0" tIns="0" bIns="0" anchor="b"/>
+          <a:p>
+            <a:pPr algn="r"/>
+            <a:fld id="{C1618837-D624-4F32-B327-4CE00B3017C4}" type="slidenum">
+              <a:rPr b="0" lang="en-NZ" sz="1400" spc="-1" strike="noStrike">
+                <a:solidFill>
+                  <a:srgbClr val="000000"/>
+                </a:solidFill>
+                <a:uFill>
+                  <a:solidFill>
+                    <a:srgbClr val="ffffff"/>
+                  </a:solidFill>
+                </a:uFill>
+                <a:latin typeface="Times New Roman"/>
+              </a:rPr>
+              <a:t>&lt;number&gt;</a:t>
+            </a:fld>
+            <a:endParaRPr b="0" lang="en-NZ" sz="1400" spc="-1" strike="noStrike">
+              <a:solidFill>
+                <a:srgbClr val="000000"/>
+              </a:solidFill>
+              <a:uFill>
+                <a:solidFill>
+                  <a:srgbClr val="ffffff"/>
+                </a:solidFill>
+              </a:uFill>
+              <a:latin typeface="Times New Roman"/>
+            </a:endParaRPr>
+          </a:p>
+        </p:txBody>
+      </p:sp>
+    </p:spTree>
+  </p:cSld>
+  <p:clrMap bg1="lt1" bg2="lt2" tx1="dk1" tx2="dk2" accent1="accent1" accent2="accent2" accent3="accent3" accent4="accent4" accent5="accent5" accent6="accent6" hlink="hlink" folHlink="folHlink"/>
+</p:notesMaster>
+</file>
+
+<file path=ppt/notesSlides/notesSlide3.xml><?xml version="1.0" encoding="utf-8"?>
+<p:notes xmlns:a="http://schemas.openxmlformats.org/drawingml/2006/main" xmlns:p="http://schemas.openxmlformats.org/presentationml/2006/main" xmlns:r="http://schemas.openxmlformats.org/officeDocument/2006/relationships" xmlns:p14="http://schemas.microsoft.com/office/powerpoint/2010/main" xmlns:p15="http://schemas.microsoft.com/office/powerpoint/2012/main" xmlns:mc="http://schemas.openxmlformats.org/markup-compatibility/2006">
+  <p:cSld>
+    <p:spTree>
+      <p:nvGrpSpPr>
+        <p:cNvPr id="1" name=""/>
+        <p:cNvGrpSpPr/>
+        <p:nvPr/>
+      </p:nvGrpSpPr>
+      <p:grpSpPr>
+        <a:xfrm>
+          <a:off x="0" y="0"/>
+          <a:ext cx="0" cy="0"/>
+          <a:chOff x="0" y="0"/>
+          <a:chExt cx="0" cy="0"/>
+        </a:xfrm>
+      </p:grpSpPr>
+      <p:sp>
+        <p:nvSpPr>
+          <p:cNvPr id="86" name="PlaceHolder 1"/>
+          <p:cNvSpPr>
+            <a:spLocks noGrp="1"/>
+          </p:cNvSpPr>
+          <p:nvPr>
+            <p:ph type="body"/>
+          </p:nvPr>
+        </p:nvSpPr>
+        <p:spPr>
+          <a:xfrm>
+            <a:off x="755640" y="5078520"/>
+            <a:ext cx="6047280" cy="4810680"/>
+          </a:xfrm>
+          <a:prstGeom prst="rect">
+            <a:avLst/>
+          </a:prstGeom>
+        </p:spPr>
+        <p:txBody>
+          <a:bodyPr lIns="0" rIns="0" tIns="0" bIns="0"/>
+          <a:p>
+            <a:r>
+              <a:rPr b="0" lang="en-NZ" sz="2000" spc="-1" strike="noStrike">
+                <a:solidFill>
+                  <a:srgbClr val="000000"/>
+                </a:solidFill>
+                <a:uFill>
+                  <a:solidFill>
+                    <a:srgbClr val="ffffff"/>
+                  </a:solidFill>
+                </a:uFill>
+                <a:latin typeface="Arial"/>
+              </a:rPr>
+              <a:t>A small sample of Reuben’s wonderful login code.</a:t>
+            </a:r>
+            <a:endParaRPr b="0" lang="en-NZ" sz="2000" spc="-1" strike="noStrike">
+              <a:solidFill>
+                <a:srgbClr val="000000"/>
+              </a:solidFill>
+              <a:uFill>
+                <a:solidFill>
+                  <a:srgbClr val="ffffff"/>
+                </a:solidFill>
+              </a:uFill>
+              <a:latin typeface="Arial"/>
+            </a:endParaRPr>
+          </a:p>
+        </p:txBody>
+      </p:sp>
+    </p:spTree>
+  </p:cSld>
+</p:notes>
+</file>
+
+<file path=ppt/notesSlides/notesSlide4.xml><?xml version="1.0" encoding="utf-8"?>
+<p:notes xmlns:a="http://schemas.openxmlformats.org/drawingml/2006/main" xmlns:p="http://schemas.openxmlformats.org/presentationml/2006/main" xmlns:r="http://schemas.openxmlformats.org/officeDocument/2006/relationships" xmlns:p14="http://schemas.microsoft.com/office/powerpoint/2010/main" xmlns:p15="http://schemas.microsoft.com/office/powerpoint/2012/main" xmlns:mc="http://schemas.openxmlformats.org/markup-compatibility/2006">
+  <p:cSld>
+    <p:spTree>
+      <p:nvGrpSpPr>
+        <p:cNvPr id="1" name=""/>
+        <p:cNvGrpSpPr/>
+        <p:nvPr/>
+      </p:nvGrpSpPr>
+      <p:grpSpPr>
+        <a:xfrm>
+          <a:off x="0" y="0"/>
+          <a:ext cx="0" cy="0"/>
+          <a:chOff x="0" y="0"/>
+          <a:chExt cx="0" cy="0"/>
+        </a:xfrm>
+      </p:grpSpPr>
+      <p:sp>
+        <p:nvSpPr>
+          <p:cNvPr id="87" name="PlaceHolder 1"/>
+          <p:cNvSpPr>
+            <a:spLocks noGrp="1"/>
+          </p:cNvSpPr>
+          <p:nvPr>
+            <p:ph type="body"/>
+          </p:nvPr>
+        </p:nvSpPr>
+        <p:spPr>
+          <a:xfrm>
+            <a:off x="755640" y="5078520"/>
+            <a:ext cx="6047280" cy="4810680"/>
+          </a:xfrm>
+          <a:prstGeom prst="rect">
+            <a:avLst/>
+          </a:prstGeom>
+        </p:spPr>
+        <p:txBody>
+          <a:bodyPr lIns="0" rIns="0" tIns="0" bIns="0"/>
+          <a:p>
+            <a:r>
+              <a:rPr b="0" lang="en-NZ" sz="2000" spc="-1" strike="noStrike">
+                <a:solidFill>
+                  <a:srgbClr val="000000"/>
+                </a:solidFill>
+                <a:uFill>
+                  <a:solidFill>
+                    <a:srgbClr val="ffffff"/>
+                  </a:solidFill>
+                </a:uFill>
+                <a:latin typeface="Arial"/>
+              </a:rPr>
+              <a:t>Joely’s splendid form validation code.</a:t>
+            </a:r>
+            <a:endParaRPr b="0" lang="en-NZ" sz="2000" spc="-1" strike="noStrike">
+              <a:solidFill>
+                <a:srgbClr val="000000"/>
+              </a:solidFill>
+              <a:uFill>
+                <a:solidFill>
+                  <a:srgbClr val="ffffff"/>
+                </a:solidFill>
+              </a:uFill>
+              <a:latin typeface="Arial"/>
+            </a:endParaRPr>
+          </a:p>
+        </p:txBody>
+      </p:sp>
+    </p:spTree>
+  </p:cSld>
+</p:notes>
+</file>
+
+<file path=ppt/notesSlides/notesSlide5.xml><?xml version="1.0" encoding="utf-8"?>
+<p:notes xmlns:a="http://schemas.openxmlformats.org/drawingml/2006/main" xmlns:p="http://schemas.openxmlformats.org/presentationml/2006/main" xmlns:r="http://schemas.openxmlformats.org/officeDocument/2006/relationships" xmlns:p14="http://schemas.microsoft.com/office/powerpoint/2010/main" xmlns:p15="http://schemas.microsoft.com/office/powerpoint/2012/main" xmlns:mc="http://schemas.openxmlformats.org/markup-compatibility/2006">
+  <p:cSld>
+    <p:spTree>
+      <p:nvGrpSpPr>
+        <p:cNvPr id="1" name=""/>
+        <p:cNvGrpSpPr/>
+        <p:nvPr/>
+      </p:nvGrpSpPr>
+      <p:grpSpPr>
+        <a:xfrm>
+          <a:off x="0" y="0"/>
+          <a:ext cx="0" cy="0"/>
+          <a:chOff x="0" y="0"/>
+          <a:chExt cx="0" cy="0"/>
+        </a:xfrm>
+      </p:grpSpPr>
+      <p:sp>
+        <p:nvSpPr>
+          <p:cNvPr id="88" name="PlaceHolder 1"/>
+          <p:cNvSpPr>
+            <a:spLocks noGrp="1"/>
+          </p:cNvSpPr>
+          <p:nvPr>
+            <p:ph type="body"/>
+          </p:nvPr>
+        </p:nvSpPr>
+        <p:spPr>
+          <a:xfrm>
+            <a:off x="755640" y="5078520"/>
+            <a:ext cx="6047280" cy="4810680"/>
+          </a:xfrm>
+          <a:prstGeom prst="rect">
+            <a:avLst/>
+          </a:prstGeom>
+        </p:spPr>
+        <p:txBody>
+          <a:bodyPr lIns="0" rIns="0" tIns="0" bIns="0"/>
+          <a:p>
+            <a:r>
+              <a:rPr b="0" lang="en-NZ" sz="2000" spc="-1" strike="noStrike">
+                <a:solidFill>
+                  <a:srgbClr val="000000"/>
+                </a:solidFill>
+                <a:uFill>
+                  <a:solidFill>
+                    <a:srgbClr val="ffffff"/>
+                  </a:solidFill>
+                </a:uFill>
+                <a:latin typeface="Arial"/>
+              </a:rPr>
+              <a:t>Joely’s code in action!</a:t>
+            </a:r>
+            <a:endParaRPr b="0" lang="en-NZ" sz="2000" spc="-1" strike="noStrike">
+              <a:solidFill>
+                <a:srgbClr val="000000"/>
+              </a:solidFill>
+              <a:uFill>
+                <a:solidFill>
+                  <a:srgbClr val="ffffff"/>
+                </a:solidFill>
+              </a:uFill>
+              <a:latin typeface="Arial"/>
+            </a:endParaRPr>
+          </a:p>
+        </p:txBody>
+      </p:sp>
+    </p:spTree>
+  </p:cSld>
+</p:notes>
+</file>
+
+<file path=ppt/notesSlides/notesSlide6.xml><?xml version="1.0" encoding="utf-8"?>
+<p:notes xmlns:a="http://schemas.openxmlformats.org/drawingml/2006/main" xmlns:p="http://schemas.openxmlformats.org/presentationml/2006/main" xmlns:r="http://schemas.openxmlformats.org/officeDocument/2006/relationships" xmlns:p14="http://schemas.microsoft.com/office/powerpoint/2010/main" xmlns:p15="http://schemas.microsoft.com/office/powerpoint/2012/main" xmlns:mc="http://schemas.openxmlformats.org/markup-compatibility/2006">
+  <p:cSld>
+    <p:spTree>
+      <p:nvGrpSpPr>
+        <p:cNvPr id="1" name=""/>
+        <p:cNvGrpSpPr/>
+        <p:nvPr/>
+      </p:nvGrpSpPr>
+      <p:grpSpPr>
+        <a:xfrm>
+          <a:off x="0" y="0"/>
+          <a:ext cx="0" cy="0"/>
+          <a:chOff x="0" y="0"/>
+          <a:chExt cx="0" cy="0"/>
+        </a:xfrm>
+      </p:grpSpPr>
+      <p:sp>
+        <p:nvSpPr>
+          <p:cNvPr id="89" name="PlaceHolder 1"/>
+          <p:cNvSpPr>
+            <a:spLocks noGrp="1"/>
+          </p:cNvSpPr>
+          <p:nvPr>
+            <p:ph type="body"/>
+          </p:nvPr>
+        </p:nvSpPr>
+        <p:spPr>
+          <a:xfrm>
+            <a:off x="755640" y="5078520"/>
+            <a:ext cx="6047280" cy="4810680"/>
+          </a:xfrm>
+          <a:prstGeom prst="rect">
+            <a:avLst/>
+          </a:prstGeom>
+        </p:spPr>
+        <p:txBody>
+          <a:bodyPr lIns="0" rIns="0" tIns="0" bIns="0"/>
+          <a:p>
+            <a:r>
+              <a:rPr b="0" lang="en-NZ" sz="2000" spc="-1" strike="noStrike">
+                <a:solidFill>
+                  <a:srgbClr val="000000"/>
+                </a:solidFill>
+                <a:uFill>
+                  <a:solidFill>
+                    <a:srgbClr val="ffffff"/>
+                  </a:solidFill>
+                </a:uFill>
+                <a:latin typeface="Arial"/>
+              </a:rPr>
+              <a:t>Vicki’s database work populating a web page. </a:t>
+            </a:r>
+            <a:endParaRPr b="0" lang="en-NZ" sz="2000" spc="-1" strike="noStrike">
+              <a:solidFill>
+                <a:srgbClr val="000000"/>
+              </a:solidFill>
+              <a:uFill>
+                <a:solidFill>
+                  <a:srgbClr val="ffffff"/>
+                </a:solidFill>
+              </a:uFill>
+              <a:latin typeface="Arial"/>
+            </a:endParaRPr>
+          </a:p>
+        </p:txBody>
+      </p:sp>
+    </p:spTree>
+  </p:cSld>
+</p:notes>
 </file>
 
 <file path=ppt/slideLayouts/slideLayout1.xml><?xml version="1.0" encoding="utf-8"?>
@@ -73,7 +643,7 @@
       </p:grpSpPr>
       <p:sp>
         <p:nvSpPr>
-          <p:cNvPr id="26" name="PlaceHolder 1"/>
+          <p:cNvPr id="23" name="PlaceHolder 1"/>
           <p:cNvSpPr>
             <a:spLocks noGrp="1"/>
           </p:cNvSpPr>
@@ -84,7 +654,7 @@
         <p:spPr>
           <a:xfrm>
             <a:off x="504000" y="301320"/>
-            <a:ext cx="9071640" cy="1262160"/>
+            <a:ext cx="9071280" cy="1261800"/>
           </a:xfrm>
           <a:prstGeom prst="rect">
             <a:avLst/>
@@ -110,7 +680,7 @@
       </p:sp>
       <p:sp>
         <p:nvSpPr>
-          <p:cNvPr id="27" name="PlaceHolder 2"/>
+          <p:cNvPr id="24" name="PlaceHolder 2"/>
           <p:cNvSpPr>
             <a:spLocks noGrp="1"/>
           </p:cNvSpPr>
@@ -121,7 +691,7 @@
         <p:spPr>
           <a:xfrm>
             <a:off x="504000" y="1769040"/>
-            <a:ext cx="9071640" cy="2091240"/>
+            <a:ext cx="9071280" cy="2090880"/>
           </a:xfrm>
           <a:prstGeom prst="rect">
             <a:avLst/>
@@ -146,7 +716,7 @@
       </p:sp>
       <p:sp>
         <p:nvSpPr>
-          <p:cNvPr id="28" name="PlaceHolder 3"/>
+          <p:cNvPr id="25" name="PlaceHolder 3"/>
           <p:cNvSpPr>
             <a:spLocks noGrp="1"/>
           </p:cNvSpPr>
@@ -156,8 +726,8 @@
         </p:nvSpPr>
         <p:spPr>
           <a:xfrm>
-            <a:off x="504000" y="4059360"/>
-            <a:ext cx="9071640" cy="2091240"/>
+            <a:off x="504000" y="4059000"/>
+            <a:ext cx="9071280" cy="2090880"/>
           </a:xfrm>
           <a:prstGeom prst="rect">
             <a:avLst/>
@@ -204,7 +774,7 @@
       </p:grpSpPr>
       <p:sp>
         <p:nvSpPr>
-          <p:cNvPr id="29" name="PlaceHolder 1"/>
+          <p:cNvPr id="26" name="PlaceHolder 1"/>
           <p:cNvSpPr>
             <a:spLocks noGrp="1"/>
           </p:cNvSpPr>
@@ -215,7 +785,7 @@
         <p:spPr>
           <a:xfrm>
             <a:off x="504000" y="301320"/>
-            <a:ext cx="9071640" cy="1262160"/>
+            <a:ext cx="9071280" cy="1261800"/>
           </a:xfrm>
           <a:prstGeom prst="rect">
             <a:avLst/>
@@ -241,7 +811,7 @@
       </p:sp>
       <p:sp>
         <p:nvSpPr>
-          <p:cNvPr id="30" name="PlaceHolder 2"/>
+          <p:cNvPr id="27" name="PlaceHolder 2"/>
           <p:cNvSpPr>
             <a:spLocks noGrp="1"/>
           </p:cNvSpPr>
@@ -252,7 +822,7 @@
         <p:spPr>
           <a:xfrm>
             <a:off x="504000" y="1769040"/>
-            <a:ext cx="4426920" cy="2091240"/>
+            <a:ext cx="4426560" cy="2090880"/>
           </a:xfrm>
           <a:prstGeom prst="rect">
             <a:avLst/>
@@ -277,7 +847,7 @@
       </p:sp>
       <p:sp>
         <p:nvSpPr>
-          <p:cNvPr id="31" name="PlaceHolder 3"/>
+          <p:cNvPr id="28" name="PlaceHolder 3"/>
           <p:cNvSpPr>
             <a:spLocks noGrp="1"/>
           </p:cNvSpPr>
@@ -287,8 +857,8 @@
         </p:nvSpPr>
         <p:spPr>
           <a:xfrm>
-            <a:off x="5152680" y="1769040"/>
-            <a:ext cx="4426920" cy="2091240"/>
+            <a:off x="5152320" y="1769040"/>
+            <a:ext cx="4426560" cy="2090880"/>
           </a:xfrm>
           <a:prstGeom prst="rect">
             <a:avLst/>
@@ -313,7 +883,7 @@
       </p:sp>
       <p:sp>
         <p:nvSpPr>
-          <p:cNvPr id="32" name="PlaceHolder 4"/>
+          <p:cNvPr id="29" name="PlaceHolder 4"/>
           <p:cNvSpPr>
             <a:spLocks noGrp="1"/>
           </p:cNvSpPr>
@@ -323,8 +893,8 @@
         </p:nvSpPr>
         <p:spPr>
           <a:xfrm>
-            <a:off x="5152680" y="4059360"/>
-            <a:ext cx="4426920" cy="2091240"/>
+            <a:off x="5152320" y="4059000"/>
+            <a:ext cx="4426560" cy="2090880"/>
           </a:xfrm>
           <a:prstGeom prst="rect">
             <a:avLst/>
@@ -349,7 +919,7 @@
       </p:sp>
       <p:sp>
         <p:nvSpPr>
-          <p:cNvPr id="33" name="PlaceHolder 5"/>
+          <p:cNvPr id="30" name="PlaceHolder 5"/>
           <p:cNvSpPr>
             <a:spLocks noGrp="1"/>
           </p:cNvSpPr>
@@ -359,8 +929,8 @@
         </p:nvSpPr>
         <p:spPr>
           <a:xfrm>
-            <a:off x="504000" y="4059360"/>
-            <a:ext cx="4426920" cy="2091240"/>
+            <a:off x="504000" y="4059000"/>
+            <a:ext cx="4426560" cy="2090880"/>
           </a:xfrm>
           <a:prstGeom prst="rect">
             <a:avLst/>
@@ -407,7 +977,7 @@
       </p:grpSpPr>
       <p:sp>
         <p:nvSpPr>
-          <p:cNvPr id="34" name="PlaceHolder 1"/>
+          <p:cNvPr id="31" name="PlaceHolder 1"/>
           <p:cNvSpPr>
             <a:spLocks noGrp="1"/>
           </p:cNvSpPr>
@@ -418,7 +988,7 @@
         <p:spPr>
           <a:xfrm>
             <a:off x="504000" y="301320"/>
-            <a:ext cx="9071640" cy="1262160"/>
+            <a:ext cx="9071280" cy="1261800"/>
           </a:xfrm>
           <a:prstGeom prst="rect">
             <a:avLst/>
@@ -444,7 +1014,7 @@
       </p:sp>
       <p:sp>
         <p:nvSpPr>
-          <p:cNvPr id="35" name="PlaceHolder 2"/>
+          <p:cNvPr id="32" name="PlaceHolder 2"/>
           <p:cNvSpPr>
             <a:spLocks noGrp="1"/>
           </p:cNvSpPr>
@@ -455,7 +1025,7 @@
         <p:spPr>
           <a:xfrm>
             <a:off x="504000" y="1769040"/>
-            <a:ext cx="9071640" cy="4384440"/>
+            <a:ext cx="9071280" cy="4384080"/>
           </a:xfrm>
           <a:prstGeom prst="rect">
             <a:avLst/>
@@ -480,7 +1050,7 @@
       </p:sp>
       <p:sp>
         <p:nvSpPr>
-          <p:cNvPr id="36" name="PlaceHolder 3"/>
+          <p:cNvPr id="33" name="PlaceHolder 3"/>
           <p:cNvSpPr>
             <a:spLocks noGrp="1"/>
           </p:cNvSpPr>
@@ -491,7 +1061,7 @@
         <p:spPr>
           <a:xfrm>
             <a:off x="504000" y="1769040"/>
-            <a:ext cx="9071640" cy="4384440"/>
+            <a:ext cx="9071280" cy="4384080"/>
           </a:xfrm>
           <a:prstGeom prst="rect">
             <a:avLst/>
@@ -516,7 +1086,7 @@
       </p:sp>
       <p:pic>
         <p:nvPicPr>
-          <p:cNvPr id="37" name="" descr=""/>
+          <p:cNvPr id="34" name="" descr=""/>
           <p:cNvPicPr/>
           <p:nvPr/>
         </p:nvPicPr>
@@ -526,8 +1096,8 @@
         </p:blipFill>
         <p:spPr>
           <a:xfrm>
-            <a:off x="2292120" y="1768680"/>
-            <a:ext cx="5495040" cy="4384440"/>
+            <a:off x="2292840" y="1769040"/>
+            <a:ext cx="5493600" cy="4384080"/>
           </a:xfrm>
           <a:prstGeom prst="rect">
             <a:avLst/>
@@ -539,7 +1109,7 @@
       </p:pic>
       <p:pic>
         <p:nvPicPr>
-          <p:cNvPr id="38" name="" descr=""/>
+          <p:cNvPr id="35" name="" descr=""/>
           <p:cNvPicPr/>
           <p:nvPr/>
         </p:nvPicPr>
@@ -549,8 +1119,8 @@
         </p:blipFill>
         <p:spPr>
           <a:xfrm>
-            <a:off x="2292120" y="1768680"/>
-            <a:ext cx="5495040" cy="4384440"/>
+            <a:off x="2292840" y="1769040"/>
+            <a:ext cx="5493600" cy="4384080"/>
           </a:xfrm>
           <a:prstGeom prst="rect">
             <a:avLst/>
@@ -560,6 +1130,635 @@
           </a:ln>
         </p:spPr>
       </p:pic>
+    </p:spTree>
+  </p:cSld>
+</p:sldLayout>
+</file>
+
+<file path=ppt/slideLayouts/slideLayout13.xml><?xml version="1.0" encoding="utf-8"?>
+<p:sldLayout xmlns:a="http://schemas.openxmlformats.org/drawingml/2006/main" xmlns:p="http://schemas.openxmlformats.org/presentationml/2006/main" xmlns:r="http://schemas.openxmlformats.org/officeDocument/2006/relationships" xmlns:p14="http://schemas.microsoft.com/office/powerpoint/2010/main" xmlns:p15="http://schemas.microsoft.com/office/powerpoint/2012/main" xmlns:mc="http://schemas.openxmlformats.org/markup-compatibility/2006" type="blank" preserve="1">
+  <p:cSld name="Blank Slide">
+    <p:spTree>
+      <p:nvGrpSpPr>
+        <p:cNvPr id="1" name=""/>
+        <p:cNvGrpSpPr/>
+        <p:nvPr/>
+      </p:nvGrpSpPr>
+      <p:grpSpPr>
+        <a:xfrm>
+          <a:off x="0" y="0"/>
+          <a:ext cx="0" cy="0"/>
+          <a:chOff x="0" y="0"/>
+          <a:chExt cx="0" cy="0"/>
+        </a:xfrm>
+      </p:grpSpPr>
+    </p:spTree>
+  </p:cSld>
+</p:sldLayout>
+</file>
+
+<file path=ppt/slideLayouts/slideLayout14.xml><?xml version="1.0" encoding="utf-8"?>
+<p:sldLayout xmlns:a="http://schemas.openxmlformats.org/drawingml/2006/main" xmlns:p="http://schemas.openxmlformats.org/presentationml/2006/main" xmlns:r="http://schemas.openxmlformats.org/officeDocument/2006/relationships" xmlns:p14="http://schemas.microsoft.com/office/powerpoint/2010/main" xmlns:p15="http://schemas.microsoft.com/office/powerpoint/2012/main" xmlns:mc="http://schemas.openxmlformats.org/markup-compatibility/2006" type="tx" preserve="1">
+  <p:cSld name="Title Slide">
+    <p:spTree>
+      <p:nvGrpSpPr>
+        <p:cNvPr id="1" name=""/>
+        <p:cNvGrpSpPr/>
+        <p:nvPr/>
+      </p:nvGrpSpPr>
+      <p:grpSpPr>
+        <a:xfrm>
+          <a:off x="0" y="0"/>
+          <a:ext cx="0" cy="0"/>
+          <a:chOff x="0" y="0"/>
+          <a:chExt cx="0" cy="0"/>
+        </a:xfrm>
+      </p:grpSpPr>
+      <p:sp>
+        <p:nvSpPr>
+          <p:cNvPr id="38" name="PlaceHolder 1"/>
+          <p:cNvSpPr>
+            <a:spLocks noGrp="1"/>
+          </p:cNvSpPr>
+          <p:nvPr>
+            <p:ph type="title"/>
+          </p:nvPr>
+        </p:nvSpPr>
+        <p:spPr>
+          <a:xfrm>
+            <a:off x="504000" y="301320"/>
+            <a:ext cx="9071280" cy="1261800"/>
+          </a:xfrm>
+          <a:prstGeom prst="rect">
+            <a:avLst/>
+          </a:prstGeom>
+        </p:spPr>
+        <p:txBody>
+          <a:bodyPr lIns="0" rIns="0" tIns="0" bIns="0" anchor="ctr"/>
+          <a:p>
+            <a:pPr algn="ctr"/>
+            <a:endParaRPr b="0" lang="en-NZ" sz="4400" spc="-1" strike="noStrike">
+              <a:solidFill>
+                <a:srgbClr val="000000"/>
+              </a:solidFill>
+              <a:uFill>
+                <a:solidFill>
+                  <a:srgbClr val="ffffff"/>
+                </a:solidFill>
+              </a:uFill>
+              <a:latin typeface="Arial"/>
+            </a:endParaRPr>
+          </a:p>
+        </p:txBody>
+      </p:sp>
+      <p:sp>
+        <p:nvSpPr>
+          <p:cNvPr id="39" name="PlaceHolder 2"/>
+          <p:cNvSpPr>
+            <a:spLocks noGrp="1"/>
+          </p:cNvSpPr>
+          <p:nvPr>
+            <p:ph type="subTitle"/>
+          </p:nvPr>
+        </p:nvSpPr>
+        <p:spPr>
+          <a:xfrm>
+            <a:off x="504000" y="1769040"/>
+            <a:ext cx="9071280" cy="4384080"/>
+          </a:xfrm>
+          <a:prstGeom prst="rect">
+            <a:avLst/>
+          </a:prstGeom>
+        </p:spPr>
+        <p:txBody>
+          <a:bodyPr lIns="0" rIns="0" tIns="0" bIns="0" anchor="ctr"/>
+          <a:p>
+            <a:pPr algn="ctr"/>
+            <a:endParaRPr b="0" lang="en-NZ" sz="3200" spc="-1" strike="noStrike">
+              <a:solidFill>
+                <a:srgbClr val="000000"/>
+              </a:solidFill>
+              <a:uFill>
+                <a:solidFill>
+                  <a:srgbClr val="ffffff"/>
+                </a:solidFill>
+              </a:uFill>
+              <a:latin typeface="Arial"/>
+            </a:endParaRPr>
+          </a:p>
+        </p:txBody>
+      </p:sp>
+    </p:spTree>
+  </p:cSld>
+</p:sldLayout>
+</file>
+
+<file path=ppt/slideLayouts/slideLayout15.xml><?xml version="1.0" encoding="utf-8"?>
+<p:sldLayout xmlns:a="http://schemas.openxmlformats.org/drawingml/2006/main" xmlns:p="http://schemas.openxmlformats.org/presentationml/2006/main" xmlns:r="http://schemas.openxmlformats.org/officeDocument/2006/relationships" xmlns:p14="http://schemas.microsoft.com/office/powerpoint/2010/main" xmlns:p15="http://schemas.microsoft.com/office/powerpoint/2012/main" xmlns:mc="http://schemas.openxmlformats.org/markup-compatibility/2006" type="obj" preserve="1">
+  <p:cSld name="Title, Content">
+    <p:spTree>
+      <p:nvGrpSpPr>
+        <p:cNvPr id="1" name=""/>
+        <p:cNvGrpSpPr/>
+        <p:nvPr/>
+      </p:nvGrpSpPr>
+      <p:grpSpPr>
+        <a:xfrm>
+          <a:off x="0" y="0"/>
+          <a:ext cx="0" cy="0"/>
+          <a:chOff x="0" y="0"/>
+          <a:chExt cx="0" cy="0"/>
+        </a:xfrm>
+      </p:grpSpPr>
+      <p:sp>
+        <p:nvSpPr>
+          <p:cNvPr id="40" name="PlaceHolder 1"/>
+          <p:cNvSpPr>
+            <a:spLocks noGrp="1"/>
+          </p:cNvSpPr>
+          <p:nvPr>
+            <p:ph type="title"/>
+          </p:nvPr>
+        </p:nvSpPr>
+        <p:spPr>
+          <a:xfrm>
+            <a:off x="504000" y="301320"/>
+            <a:ext cx="9071280" cy="1261800"/>
+          </a:xfrm>
+          <a:prstGeom prst="rect">
+            <a:avLst/>
+          </a:prstGeom>
+        </p:spPr>
+        <p:txBody>
+          <a:bodyPr lIns="0" rIns="0" tIns="0" bIns="0" anchor="ctr"/>
+          <a:p>
+            <a:pPr algn="ctr"/>
+            <a:endParaRPr b="0" lang="en-NZ" sz="4400" spc="-1" strike="noStrike">
+              <a:solidFill>
+                <a:srgbClr val="000000"/>
+              </a:solidFill>
+              <a:uFill>
+                <a:solidFill>
+                  <a:srgbClr val="ffffff"/>
+                </a:solidFill>
+              </a:uFill>
+              <a:latin typeface="Arial"/>
+            </a:endParaRPr>
+          </a:p>
+        </p:txBody>
+      </p:sp>
+      <p:sp>
+        <p:nvSpPr>
+          <p:cNvPr id="41" name="PlaceHolder 2"/>
+          <p:cNvSpPr>
+            <a:spLocks noGrp="1"/>
+          </p:cNvSpPr>
+          <p:nvPr>
+            <p:ph type="body"/>
+          </p:nvPr>
+        </p:nvSpPr>
+        <p:spPr>
+          <a:xfrm>
+            <a:off x="504000" y="1769040"/>
+            <a:ext cx="9071280" cy="4384080"/>
+          </a:xfrm>
+          <a:prstGeom prst="rect">
+            <a:avLst/>
+          </a:prstGeom>
+        </p:spPr>
+        <p:txBody>
+          <a:bodyPr lIns="0" rIns="0" tIns="0" bIns="0"/>
+          <a:p>
+            <a:endParaRPr b="0" lang="en-NZ" sz="3200" spc="-1" strike="noStrike">
+              <a:solidFill>
+                <a:srgbClr val="000000"/>
+              </a:solidFill>
+              <a:uFill>
+                <a:solidFill>
+                  <a:srgbClr val="ffffff"/>
+                </a:solidFill>
+              </a:uFill>
+              <a:latin typeface="Arial"/>
+            </a:endParaRPr>
+          </a:p>
+        </p:txBody>
+      </p:sp>
+    </p:spTree>
+  </p:cSld>
+</p:sldLayout>
+</file>
+
+<file path=ppt/slideLayouts/slideLayout16.xml><?xml version="1.0" encoding="utf-8"?>
+<p:sldLayout xmlns:a="http://schemas.openxmlformats.org/drawingml/2006/main" xmlns:p="http://schemas.openxmlformats.org/presentationml/2006/main" xmlns:r="http://schemas.openxmlformats.org/officeDocument/2006/relationships" xmlns:p14="http://schemas.microsoft.com/office/powerpoint/2010/main" xmlns:p15="http://schemas.microsoft.com/office/powerpoint/2012/main" xmlns:mc="http://schemas.openxmlformats.org/markup-compatibility/2006" type="twoObj" preserve="1">
+  <p:cSld name="Title, 2 Content">
+    <p:spTree>
+      <p:nvGrpSpPr>
+        <p:cNvPr id="1" name=""/>
+        <p:cNvGrpSpPr/>
+        <p:nvPr/>
+      </p:nvGrpSpPr>
+      <p:grpSpPr>
+        <a:xfrm>
+          <a:off x="0" y="0"/>
+          <a:ext cx="0" cy="0"/>
+          <a:chOff x="0" y="0"/>
+          <a:chExt cx="0" cy="0"/>
+        </a:xfrm>
+      </p:grpSpPr>
+      <p:sp>
+        <p:nvSpPr>
+          <p:cNvPr id="42" name="PlaceHolder 1"/>
+          <p:cNvSpPr>
+            <a:spLocks noGrp="1"/>
+          </p:cNvSpPr>
+          <p:nvPr>
+            <p:ph type="title"/>
+          </p:nvPr>
+        </p:nvSpPr>
+        <p:spPr>
+          <a:xfrm>
+            <a:off x="504000" y="301320"/>
+            <a:ext cx="9071280" cy="1261800"/>
+          </a:xfrm>
+          <a:prstGeom prst="rect">
+            <a:avLst/>
+          </a:prstGeom>
+        </p:spPr>
+        <p:txBody>
+          <a:bodyPr lIns="0" rIns="0" tIns="0" bIns="0" anchor="ctr"/>
+          <a:p>
+            <a:pPr algn="ctr"/>
+            <a:endParaRPr b="0" lang="en-NZ" sz="4400" spc="-1" strike="noStrike">
+              <a:solidFill>
+                <a:srgbClr val="000000"/>
+              </a:solidFill>
+              <a:uFill>
+                <a:solidFill>
+                  <a:srgbClr val="ffffff"/>
+                </a:solidFill>
+              </a:uFill>
+              <a:latin typeface="Arial"/>
+            </a:endParaRPr>
+          </a:p>
+        </p:txBody>
+      </p:sp>
+      <p:sp>
+        <p:nvSpPr>
+          <p:cNvPr id="43" name="PlaceHolder 2"/>
+          <p:cNvSpPr>
+            <a:spLocks noGrp="1"/>
+          </p:cNvSpPr>
+          <p:nvPr>
+            <p:ph type="body"/>
+          </p:nvPr>
+        </p:nvSpPr>
+        <p:spPr>
+          <a:xfrm>
+            <a:off x="504000" y="1769040"/>
+            <a:ext cx="4426560" cy="4384080"/>
+          </a:xfrm>
+          <a:prstGeom prst="rect">
+            <a:avLst/>
+          </a:prstGeom>
+        </p:spPr>
+        <p:txBody>
+          <a:bodyPr lIns="0" rIns="0" tIns="0" bIns="0"/>
+          <a:p>
+            <a:endParaRPr b="0" lang="en-NZ" sz="3200" spc="-1" strike="noStrike">
+              <a:solidFill>
+                <a:srgbClr val="000000"/>
+              </a:solidFill>
+              <a:uFill>
+                <a:solidFill>
+                  <a:srgbClr val="ffffff"/>
+                </a:solidFill>
+              </a:uFill>
+              <a:latin typeface="Arial"/>
+            </a:endParaRPr>
+          </a:p>
+        </p:txBody>
+      </p:sp>
+      <p:sp>
+        <p:nvSpPr>
+          <p:cNvPr id="44" name="PlaceHolder 3"/>
+          <p:cNvSpPr>
+            <a:spLocks noGrp="1"/>
+          </p:cNvSpPr>
+          <p:nvPr>
+            <p:ph type="body"/>
+          </p:nvPr>
+        </p:nvSpPr>
+        <p:spPr>
+          <a:xfrm>
+            <a:off x="5152320" y="1769040"/>
+            <a:ext cx="4426560" cy="4384080"/>
+          </a:xfrm>
+          <a:prstGeom prst="rect">
+            <a:avLst/>
+          </a:prstGeom>
+        </p:spPr>
+        <p:txBody>
+          <a:bodyPr lIns="0" rIns="0" tIns="0" bIns="0"/>
+          <a:p>
+            <a:endParaRPr b="0" lang="en-NZ" sz="3200" spc="-1" strike="noStrike">
+              <a:solidFill>
+                <a:srgbClr val="000000"/>
+              </a:solidFill>
+              <a:uFill>
+                <a:solidFill>
+                  <a:srgbClr val="ffffff"/>
+                </a:solidFill>
+              </a:uFill>
+              <a:latin typeface="Arial"/>
+            </a:endParaRPr>
+          </a:p>
+        </p:txBody>
+      </p:sp>
+    </p:spTree>
+  </p:cSld>
+</p:sldLayout>
+</file>
+
+<file path=ppt/slideLayouts/slideLayout17.xml><?xml version="1.0" encoding="utf-8"?>
+<p:sldLayout xmlns:a="http://schemas.openxmlformats.org/drawingml/2006/main" xmlns:p="http://schemas.openxmlformats.org/presentationml/2006/main" xmlns:r="http://schemas.openxmlformats.org/officeDocument/2006/relationships" xmlns:p14="http://schemas.microsoft.com/office/powerpoint/2010/main" xmlns:p15="http://schemas.microsoft.com/office/powerpoint/2012/main" xmlns:mc="http://schemas.openxmlformats.org/markup-compatibility/2006" type="titleOnly" preserve="1">
+  <p:cSld name="Title Only">
+    <p:spTree>
+      <p:nvGrpSpPr>
+        <p:cNvPr id="1" name=""/>
+        <p:cNvGrpSpPr/>
+        <p:nvPr/>
+      </p:nvGrpSpPr>
+      <p:grpSpPr>
+        <a:xfrm>
+          <a:off x="0" y="0"/>
+          <a:ext cx="0" cy="0"/>
+          <a:chOff x="0" y="0"/>
+          <a:chExt cx="0" cy="0"/>
+        </a:xfrm>
+      </p:grpSpPr>
+      <p:sp>
+        <p:nvSpPr>
+          <p:cNvPr id="45" name="PlaceHolder 1"/>
+          <p:cNvSpPr>
+            <a:spLocks noGrp="1"/>
+          </p:cNvSpPr>
+          <p:nvPr>
+            <p:ph type="title"/>
+          </p:nvPr>
+        </p:nvSpPr>
+        <p:spPr>
+          <a:xfrm>
+            <a:off x="504000" y="301320"/>
+            <a:ext cx="9071280" cy="1261800"/>
+          </a:xfrm>
+          <a:prstGeom prst="rect">
+            <a:avLst/>
+          </a:prstGeom>
+        </p:spPr>
+        <p:txBody>
+          <a:bodyPr lIns="0" rIns="0" tIns="0" bIns="0" anchor="ctr"/>
+          <a:p>
+            <a:pPr algn="ctr"/>
+            <a:endParaRPr b="0" lang="en-NZ" sz="4400" spc="-1" strike="noStrike">
+              <a:solidFill>
+                <a:srgbClr val="000000"/>
+              </a:solidFill>
+              <a:uFill>
+                <a:solidFill>
+                  <a:srgbClr val="ffffff"/>
+                </a:solidFill>
+              </a:uFill>
+              <a:latin typeface="Arial"/>
+            </a:endParaRPr>
+          </a:p>
+        </p:txBody>
+      </p:sp>
+    </p:spTree>
+  </p:cSld>
+</p:sldLayout>
+</file>
+
+<file path=ppt/slideLayouts/slideLayout18.xml><?xml version="1.0" encoding="utf-8"?>
+<p:sldLayout xmlns:a="http://schemas.openxmlformats.org/drawingml/2006/main" xmlns:p="http://schemas.openxmlformats.org/presentationml/2006/main" xmlns:r="http://schemas.openxmlformats.org/officeDocument/2006/relationships" xmlns:p14="http://schemas.microsoft.com/office/powerpoint/2010/main" xmlns:p15="http://schemas.microsoft.com/office/powerpoint/2012/main" xmlns:mc="http://schemas.openxmlformats.org/markup-compatibility/2006" type="objOnly" preserve="1">
+  <p:cSld name="Centered Text">
+    <p:spTree>
+      <p:nvGrpSpPr>
+        <p:cNvPr id="1" name=""/>
+        <p:cNvGrpSpPr/>
+        <p:nvPr/>
+      </p:nvGrpSpPr>
+      <p:grpSpPr>
+        <a:xfrm>
+          <a:off x="0" y="0"/>
+          <a:ext cx="0" cy="0"/>
+          <a:chOff x="0" y="0"/>
+          <a:chExt cx="0" cy="0"/>
+        </a:xfrm>
+      </p:grpSpPr>
+      <p:sp>
+        <p:nvSpPr>
+          <p:cNvPr id="46" name="PlaceHolder 1"/>
+          <p:cNvSpPr>
+            <a:spLocks noGrp="1"/>
+          </p:cNvSpPr>
+          <p:nvPr>
+            <p:ph type="subTitle"/>
+          </p:nvPr>
+        </p:nvSpPr>
+        <p:spPr>
+          <a:xfrm>
+            <a:off x="504000" y="301320"/>
+            <a:ext cx="9071280" cy="5850360"/>
+          </a:xfrm>
+          <a:prstGeom prst="rect">
+            <a:avLst/>
+          </a:prstGeom>
+        </p:spPr>
+        <p:txBody>
+          <a:bodyPr lIns="0" rIns="0" tIns="0" bIns="0" anchor="ctr"/>
+          <a:p>
+            <a:pPr algn="ctr"/>
+            <a:endParaRPr b="0" lang="en-NZ" sz="3200" spc="-1" strike="noStrike">
+              <a:solidFill>
+                <a:srgbClr val="000000"/>
+              </a:solidFill>
+              <a:uFill>
+                <a:solidFill>
+                  <a:srgbClr val="ffffff"/>
+                </a:solidFill>
+              </a:uFill>
+              <a:latin typeface="Arial"/>
+            </a:endParaRPr>
+          </a:p>
+        </p:txBody>
+      </p:sp>
+    </p:spTree>
+  </p:cSld>
+</p:sldLayout>
+</file>
+
+<file path=ppt/slideLayouts/slideLayout19.xml><?xml version="1.0" encoding="utf-8"?>
+<p:sldLayout xmlns:a="http://schemas.openxmlformats.org/drawingml/2006/main" xmlns:p="http://schemas.openxmlformats.org/presentationml/2006/main" xmlns:r="http://schemas.openxmlformats.org/officeDocument/2006/relationships" xmlns:p14="http://schemas.microsoft.com/office/powerpoint/2010/main" xmlns:p15="http://schemas.microsoft.com/office/powerpoint/2012/main" xmlns:mc="http://schemas.openxmlformats.org/markup-compatibility/2006" type="twoObjAndObj" preserve="1">
+  <p:cSld name="Title, 2 Content and Content">
+    <p:spTree>
+      <p:nvGrpSpPr>
+        <p:cNvPr id="1" name=""/>
+        <p:cNvGrpSpPr/>
+        <p:nvPr/>
+      </p:nvGrpSpPr>
+      <p:grpSpPr>
+        <a:xfrm>
+          <a:off x="0" y="0"/>
+          <a:ext cx="0" cy="0"/>
+          <a:chOff x="0" y="0"/>
+          <a:chExt cx="0" cy="0"/>
+        </a:xfrm>
+      </p:grpSpPr>
+      <p:sp>
+        <p:nvSpPr>
+          <p:cNvPr id="47" name="PlaceHolder 1"/>
+          <p:cNvSpPr>
+            <a:spLocks noGrp="1"/>
+          </p:cNvSpPr>
+          <p:nvPr>
+            <p:ph type="title"/>
+          </p:nvPr>
+        </p:nvSpPr>
+        <p:spPr>
+          <a:xfrm>
+            <a:off x="504000" y="301320"/>
+            <a:ext cx="9071280" cy="1261800"/>
+          </a:xfrm>
+          <a:prstGeom prst="rect">
+            <a:avLst/>
+          </a:prstGeom>
+        </p:spPr>
+        <p:txBody>
+          <a:bodyPr lIns="0" rIns="0" tIns="0" bIns="0" anchor="ctr"/>
+          <a:p>
+            <a:pPr algn="ctr"/>
+            <a:endParaRPr b="0" lang="en-NZ" sz="4400" spc="-1" strike="noStrike">
+              <a:solidFill>
+                <a:srgbClr val="000000"/>
+              </a:solidFill>
+              <a:uFill>
+                <a:solidFill>
+                  <a:srgbClr val="ffffff"/>
+                </a:solidFill>
+              </a:uFill>
+              <a:latin typeface="Arial"/>
+            </a:endParaRPr>
+          </a:p>
+        </p:txBody>
+      </p:sp>
+      <p:sp>
+        <p:nvSpPr>
+          <p:cNvPr id="48" name="PlaceHolder 2"/>
+          <p:cNvSpPr>
+            <a:spLocks noGrp="1"/>
+          </p:cNvSpPr>
+          <p:nvPr>
+            <p:ph type="body"/>
+          </p:nvPr>
+        </p:nvSpPr>
+        <p:spPr>
+          <a:xfrm>
+            <a:off x="504000" y="1769040"/>
+            <a:ext cx="4426560" cy="2090880"/>
+          </a:xfrm>
+          <a:prstGeom prst="rect">
+            <a:avLst/>
+          </a:prstGeom>
+        </p:spPr>
+        <p:txBody>
+          <a:bodyPr lIns="0" rIns="0" tIns="0" bIns="0"/>
+          <a:p>
+            <a:endParaRPr b="0" lang="en-NZ" sz="3200" spc="-1" strike="noStrike">
+              <a:solidFill>
+                <a:srgbClr val="000000"/>
+              </a:solidFill>
+              <a:uFill>
+                <a:solidFill>
+                  <a:srgbClr val="ffffff"/>
+                </a:solidFill>
+              </a:uFill>
+              <a:latin typeface="Arial"/>
+            </a:endParaRPr>
+          </a:p>
+        </p:txBody>
+      </p:sp>
+      <p:sp>
+        <p:nvSpPr>
+          <p:cNvPr id="49" name="PlaceHolder 3"/>
+          <p:cNvSpPr>
+            <a:spLocks noGrp="1"/>
+          </p:cNvSpPr>
+          <p:nvPr>
+            <p:ph type="body"/>
+          </p:nvPr>
+        </p:nvSpPr>
+        <p:spPr>
+          <a:xfrm>
+            <a:off x="504000" y="4059000"/>
+            <a:ext cx="4426560" cy="2090880"/>
+          </a:xfrm>
+          <a:prstGeom prst="rect">
+            <a:avLst/>
+          </a:prstGeom>
+        </p:spPr>
+        <p:txBody>
+          <a:bodyPr lIns="0" rIns="0" tIns="0" bIns="0"/>
+          <a:p>
+            <a:endParaRPr b="0" lang="en-NZ" sz="3200" spc="-1" strike="noStrike">
+              <a:solidFill>
+                <a:srgbClr val="000000"/>
+              </a:solidFill>
+              <a:uFill>
+                <a:solidFill>
+                  <a:srgbClr val="ffffff"/>
+                </a:solidFill>
+              </a:uFill>
+              <a:latin typeface="Arial"/>
+            </a:endParaRPr>
+          </a:p>
+        </p:txBody>
+      </p:sp>
+      <p:sp>
+        <p:nvSpPr>
+          <p:cNvPr id="50" name="PlaceHolder 4"/>
+          <p:cNvSpPr>
+            <a:spLocks noGrp="1"/>
+          </p:cNvSpPr>
+          <p:nvPr>
+            <p:ph type="body"/>
+          </p:nvPr>
+        </p:nvSpPr>
+        <p:spPr>
+          <a:xfrm>
+            <a:off x="5152320" y="1769040"/>
+            <a:ext cx="4426560" cy="4384080"/>
+          </a:xfrm>
+          <a:prstGeom prst="rect">
+            <a:avLst/>
+          </a:prstGeom>
+        </p:spPr>
+        <p:txBody>
+          <a:bodyPr lIns="0" rIns="0" tIns="0" bIns="0"/>
+          <a:p>
+            <a:endParaRPr b="0" lang="en-NZ" sz="3200" spc="-1" strike="noStrike">
+              <a:solidFill>
+                <a:srgbClr val="000000"/>
+              </a:solidFill>
+              <a:uFill>
+                <a:solidFill>
+                  <a:srgbClr val="ffffff"/>
+                </a:solidFill>
+              </a:uFill>
+              <a:latin typeface="Arial"/>
+            </a:endParaRPr>
+          </a:p>
+        </p:txBody>
+      </p:sp>
     </p:spTree>
   </p:cSld>
 </p:sldLayout>
@@ -584,7 +1783,7 @@
       </p:grpSpPr>
       <p:sp>
         <p:nvSpPr>
-          <p:cNvPr id="5" name="PlaceHolder 1"/>
+          <p:cNvPr id="2" name="PlaceHolder 1"/>
           <p:cNvSpPr>
             <a:spLocks noGrp="1"/>
           </p:cNvSpPr>
@@ -595,7 +1794,7 @@
         <p:spPr>
           <a:xfrm>
             <a:off x="504000" y="301320"/>
-            <a:ext cx="9071640" cy="1262160"/>
+            <a:ext cx="9071280" cy="1261800"/>
           </a:xfrm>
           <a:prstGeom prst="rect">
             <a:avLst/>
@@ -621,7 +1820,7 @@
       </p:sp>
       <p:sp>
         <p:nvSpPr>
-          <p:cNvPr id="6" name="PlaceHolder 2"/>
+          <p:cNvPr id="3" name="PlaceHolder 2"/>
           <p:cNvSpPr>
             <a:spLocks noGrp="1"/>
           </p:cNvSpPr>
@@ -632,7 +1831,7 @@
         <p:spPr>
           <a:xfrm>
             <a:off x="504000" y="1769040"/>
-            <a:ext cx="9071640" cy="4384440"/>
+            <a:ext cx="9071280" cy="4384080"/>
           </a:xfrm>
           <a:prstGeom prst="rect">
             <a:avLst/>
@@ -656,6 +1855,851 @@
           </a:p>
         </p:txBody>
       </p:sp>
+    </p:spTree>
+  </p:cSld>
+</p:sldLayout>
+</file>
+
+<file path=ppt/slideLayouts/slideLayout20.xml><?xml version="1.0" encoding="utf-8"?>
+<p:sldLayout xmlns:a="http://schemas.openxmlformats.org/drawingml/2006/main" xmlns:p="http://schemas.openxmlformats.org/presentationml/2006/main" xmlns:r="http://schemas.openxmlformats.org/officeDocument/2006/relationships" xmlns:p14="http://schemas.microsoft.com/office/powerpoint/2010/main" xmlns:p15="http://schemas.microsoft.com/office/powerpoint/2012/main" xmlns:mc="http://schemas.openxmlformats.org/markup-compatibility/2006" type="objAndTwoObj" preserve="1">
+  <p:cSld name="Title Content and 2 Content">
+    <p:spTree>
+      <p:nvGrpSpPr>
+        <p:cNvPr id="1" name=""/>
+        <p:cNvGrpSpPr/>
+        <p:nvPr/>
+      </p:nvGrpSpPr>
+      <p:grpSpPr>
+        <a:xfrm>
+          <a:off x="0" y="0"/>
+          <a:ext cx="0" cy="0"/>
+          <a:chOff x="0" y="0"/>
+          <a:chExt cx="0" cy="0"/>
+        </a:xfrm>
+      </p:grpSpPr>
+      <p:sp>
+        <p:nvSpPr>
+          <p:cNvPr id="51" name="PlaceHolder 1"/>
+          <p:cNvSpPr>
+            <a:spLocks noGrp="1"/>
+          </p:cNvSpPr>
+          <p:nvPr>
+            <p:ph type="title"/>
+          </p:nvPr>
+        </p:nvSpPr>
+        <p:spPr>
+          <a:xfrm>
+            <a:off x="504000" y="301320"/>
+            <a:ext cx="9071280" cy="1261800"/>
+          </a:xfrm>
+          <a:prstGeom prst="rect">
+            <a:avLst/>
+          </a:prstGeom>
+        </p:spPr>
+        <p:txBody>
+          <a:bodyPr lIns="0" rIns="0" tIns="0" bIns="0" anchor="ctr"/>
+          <a:p>
+            <a:pPr algn="ctr"/>
+            <a:endParaRPr b="0" lang="en-NZ" sz="4400" spc="-1" strike="noStrike">
+              <a:solidFill>
+                <a:srgbClr val="000000"/>
+              </a:solidFill>
+              <a:uFill>
+                <a:solidFill>
+                  <a:srgbClr val="ffffff"/>
+                </a:solidFill>
+              </a:uFill>
+              <a:latin typeface="Arial"/>
+            </a:endParaRPr>
+          </a:p>
+        </p:txBody>
+      </p:sp>
+      <p:sp>
+        <p:nvSpPr>
+          <p:cNvPr id="52" name="PlaceHolder 2"/>
+          <p:cNvSpPr>
+            <a:spLocks noGrp="1"/>
+          </p:cNvSpPr>
+          <p:nvPr>
+            <p:ph type="body"/>
+          </p:nvPr>
+        </p:nvSpPr>
+        <p:spPr>
+          <a:xfrm>
+            <a:off x="504000" y="1769040"/>
+            <a:ext cx="4426560" cy="4384080"/>
+          </a:xfrm>
+          <a:prstGeom prst="rect">
+            <a:avLst/>
+          </a:prstGeom>
+        </p:spPr>
+        <p:txBody>
+          <a:bodyPr lIns="0" rIns="0" tIns="0" bIns="0"/>
+          <a:p>
+            <a:endParaRPr b="0" lang="en-NZ" sz="3200" spc="-1" strike="noStrike">
+              <a:solidFill>
+                <a:srgbClr val="000000"/>
+              </a:solidFill>
+              <a:uFill>
+                <a:solidFill>
+                  <a:srgbClr val="ffffff"/>
+                </a:solidFill>
+              </a:uFill>
+              <a:latin typeface="Arial"/>
+            </a:endParaRPr>
+          </a:p>
+        </p:txBody>
+      </p:sp>
+      <p:sp>
+        <p:nvSpPr>
+          <p:cNvPr id="53" name="PlaceHolder 3"/>
+          <p:cNvSpPr>
+            <a:spLocks noGrp="1"/>
+          </p:cNvSpPr>
+          <p:nvPr>
+            <p:ph type="body"/>
+          </p:nvPr>
+        </p:nvSpPr>
+        <p:spPr>
+          <a:xfrm>
+            <a:off x="5152320" y="1769040"/>
+            <a:ext cx="4426560" cy="2090880"/>
+          </a:xfrm>
+          <a:prstGeom prst="rect">
+            <a:avLst/>
+          </a:prstGeom>
+        </p:spPr>
+        <p:txBody>
+          <a:bodyPr lIns="0" rIns="0" tIns="0" bIns="0"/>
+          <a:p>
+            <a:endParaRPr b="0" lang="en-NZ" sz="3200" spc="-1" strike="noStrike">
+              <a:solidFill>
+                <a:srgbClr val="000000"/>
+              </a:solidFill>
+              <a:uFill>
+                <a:solidFill>
+                  <a:srgbClr val="ffffff"/>
+                </a:solidFill>
+              </a:uFill>
+              <a:latin typeface="Arial"/>
+            </a:endParaRPr>
+          </a:p>
+        </p:txBody>
+      </p:sp>
+      <p:sp>
+        <p:nvSpPr>
+          <p:cNvPr id="54" name="PlaceHolder 4"/>
+          <p:cNvSpPr>
+            <a:spLocks noGrp="1"/>
+          </p:cNvSpPr>
+          <p:nvPr>
+            <p:ph type="body"/>
+          </p:nvPr>
+        </p:nvSpPr>
+        <p:spPr>
+          <a:xfrm>
+            <a:off x="5152320" y="4059000"/>
+            <a:ext cx="4426560" cy="2090880"/>
+          </a:xfrm>
+          <a:prstGeom prst="rect">
+            <a:avLst/>
+          </a:prstGeom>
+        </p:spPr>
+        <p:txBody>
+          <a:bodyPr lIns="0" rIns="0" tIns="0" bIns="0"/>
+          <a:p>
+            <a:endParaRPr b="0" lang="en-NZ" sz="3200" spc="-1" strike="noStrike">
+              <a:solidFill>
+                <a:srgbClr val="000000"/>
+              </a:solidFill>
+              <a:uFill>
+                <a:solidFill>
+                  <a:srgbClr val="ffffff"/>
+                </a:solidFill>
+              </a:uFill>
+              <a:latin typeface="Arial"/>
+            </a:endParaRPr>
+          </a:p>
+        </p:txBody>
+      </p:sp>
+    </p:spTree>
+  </p:cSld>
+</p:sldLayout>
+</file>
+
+<file path=ppt/slideLayouts/slideLayout21.xml><?xml version="1.0" encoding="utf-8"?>
+<p:sldLayout xmlns:a="http://schemas.openxmlformats.org/drawingml/2006/main" xmlns:p="http://schemas.openxmlformats.org/presentationml/2006/main" xmlns:r="http://schemas.openxmlformats.org/officeDocument/2006/relationships" xmlns:p14="http://schemas.microsoft.com/office/powerpoint/2010/main" xmlns:p15="http://schemas.microsoft.com/office/powerpoint/2012/main" xmlns:mc="http://schemas.openxmlformats.org/markup-compatibility/2006" type="twoObjOverTx" preserve="1">
+  <p:cSld name="Title, 2 Content over Content">
+    <p:spTree>
+      <p:nvGrpSpPr>
+        <p:cNvPr id="1" name=""/>
+        <p:cNvGrpSpPr/>
+        <p:nvPr/>
+      </p:nvGrpSpPr>
+      <p:grpSpPr>
+        <a:xfrm>
+          <a:off x="0" y="0"/>
+          <a:ext cx="0" cy="0"/>
+          <a:chOff x="0" y="0"/>
+          <a:chExt cx="0" cy="0"/>
+        </a:xfrm>
+      </p:grpSpPr>
+      <p:sp>
+        <p:nvSpPr>
+          <p:cNvPr id="55" name="PlaceHolder 1"/>
+          <p:cNvSpPr>
+            <a:spLocks noGrp="1"/>
+          </p:cNvSpPr>
+          <p:nvPr>
+            <p:ph type="title"/>
+          </p:nvPr>
+        </p:nvSpPr>
+        <p:spPr>
+          <a:xfrm>
+            <a:off x="504000" y="301320"/>
+            <a:ext cx="9071280" cy="1261800"/>
+          </a:xfrm>
+          <a:prstGeom prst="rect">
+            <a:avLst/>
+          </a:prstGeom>
+        </p:spPr>
+        <p:txBody>
+          <a:bodyPr lIns="0" rIns="0" tIns="0" bIns="0" anchor="ctr"/>
+          <a:p>
+            <a:pPr algn="ctr"/>
+            <a:endParaRPr b="0" lang="en-NZ" sz="4400" spc="-1" strike="noStrike">
+              <a:solidFill>
+                <a:srgbClr val="000000"/>
+              </a:solidFill>
+              <a:uFill>
+                <a:solidFill>
+                  <a:srgbClr val="ffffff"/>
+                </a:solidFill>
+              </a:uFill>
+              <a:latin typeface="Arial"/>
+            </a:endParaRPr>
+          </a:p>
+        </p:txBody>
+      </p:sp>
+      <p:sp>
+        <p:nvSpPr>
+          <p:cNvPr id="56" name="PlaceHolder 2"/>
+          <p:cNvSpPr>
+            <a:spLocks noGrp="1"/>
+          </p:cNvSpPr>
+          <p:nvPr>
+            <p:ph type="body"/>
+          </p:nvPr>
+        </p:nvSpPr>
+        <p:spPr>
+          <a:xfrm>
+            <a:off x="504000" y="1769040"/>
+            <a:ext cx="4426560" cy="2090880"/>
+          </a:xfrm>
+          <a:prstGeom prst="rect">
+            <a:avLst/>
+          </a:prstGeom>
+        </p:spPr>
+        <p:txBody>
+          <a:bodyPr lIns="0" rIns="0" tIns="0" bIns="0"/>
+          <a:p>
+            <a:endParaRPr b="0" lang="en-NZ" sz="3200" spc="-1" strike="noStrike">
+              <a:solidFill>
+                <a:srgbClr val="000000"/>
+              </a:solidFill>
+              <a:uFill>
+                <a:solidFill>
+                  <a:srgbClr val="ffffff"/>
+                </a:solidFill>
+              </a:uFill>
+              <a:latin typeface="Arial"/>
+            </a:endParaRPr>
+          </a:p>
+        </p:txBody>
+      </p:sp>
+      <p:sp>
+        <p:nvSpPr>
+          <p:cNvPr id="57" name="PlaceHolder 3"/>
+          <p:cNvSpPr>
+            <a:spLocks noGrp="1"/>
+          </p:cNvSpPr>
+          <p:nvPr>
+            <p:ph type="body"/>
+          </p:nvPr>
+        </p:nvSpPr>
+        <p:spPr>
+          <a:xfrm>
+            <a:off x="5152320" y="1769040"/>
+            <a:ext cx="4426560" cy="2090880"/>
+          </a:xfrm>
+          <a:prstGeom prst="rect">
+            <a:avLst/>
+          </a:prstGeom>
+        </p:spPr>
+        <p:txBody>
+          <a:bodyPr lIns="0" rIns="0" tIns="0" bIns="0"/>
+          <a:p>
+            <a:endParaRPr b="0" lang="en-NZ" sz="3200" spc="-1" strike="noStrike">
+              <a:solidFill>
+                <a:srgbClr val="000000"/>
+              </a:solidFill>
+              <a:uFill>
+                <a:solidFill>
+                  <a:srgbClr val="ffffff"/>
+                </a:solidFill>
+              </a:uFill>
+              <a:latin typeface="Arial"/>
+            </a:endParaRPr>
+          </a:p>
+        </p:txBody>
+      </p:sp>
+      <p:sp>
+        <p:nvSpPr>
+          <p:cNvPr id="58" name="PlaceHolder 4"/>
+          <p:cNvSpPr>
+            <a:spLocks noGrp="1"/>
+          </p:cNvSpPr>
+          <p:nvPr>
+            <p:ph type="body"/>
+          </p:nvPr>
+        </p:nvSpPr>
+        <p:spPr>
+          <a:xfrm>
+            <a:off x="504000" y="4059000"/>
+            <a:ext cx="9071280" cy="2090880"/>
+          </a:xfrm>
+          <a:prstGeom prst="rect">
+            <a:avLst/>
+          </a:prstGeom>
+        </p:spPr>
+        <p:txBody>
+          <a:bodyPr lIns="0" rIns="0" tIns="0" bIns="0"/>
+          <a:p>
+            <a:endParaRPr b="0" lang="en-NZ" sz="3200" spc="-1" strike="noStrike">
+              <a:solidFill>
+                <a:srgbClr val="000000"/>
+              </a:solidFill>
+              <a:uFill>
+                <a:solidFill>
+                  <a:srgbClr val="ffffff"/>
+                </a:solidFill>
+              </a:uFill>
+              <a:latin typeface="Arial"/>
+            </a:endParaRPr>
+          </a:p>
+        </p:txBody>
+      </p:sp>
+    </p:spTree>
+  </p:cSld>
+</p:sldLayout>
+</file>
+
+<file path=ppt/slideLayouts/slideLayout22.xml><?xml version="1.0" encoding="utf-8"?>
+<p:sldLayout xmlns:a="http://schemas.openxmlformats.org/drawingml/2006/main" xmlns:p="http://schemas.openxmlformats.org/presentationml/2006/main" xmlns:r="http://schemas.openxmlformats.org/officeDocument/2006/relationships" xmlns:p14="http://schemas.microsoft.com/office/powerpoint/2010/main" xmlns:p15="http://schemas.microsoft.com/office/powerpoint/2012/main" xmlns:mc="http://schemas.openxmlformats.org/markup-compatibility/2006" type="objOverTx" preserve="1">
+  <p:cSld name="Title, Content over Content">
+    <p:spTree>
+      <p:nvGrpSpPr>
+        <p:cNvPr id="1" name=""/>
+        <p:cNvGrpSpPr/>
+        <p:nvPr/>
+      </p:nvGrpSpPr>
+      <p:grpSpPr>
+        <a:xfrm>
+          <a:off x="0" y="0"/>
+          <a:ext cx="0" cy="0"/>
+          <a:chOff x="0" y="0"/>
+          <a:chExt cx="0" cy="0"/>
+        </a:xfrm>
+      </p:grpSpPr>
+      <p:sp>
+        <p:nvSpPr>
+          <p:cNvPr id="59" name="PlaceHolder 1"/>
+          <p:cNvSpPr>
+            <a:spLocks noGrp="1"/>
+          </p:cNvSpPr>
+          <p:nvPr>
+            <p:ph type="title"/>
+          </p:nvPr>
+        </p:nvSpPr>
+        <p:spPr>
+          <a:xfrm>
+            <a:off x="504000" y="301320"/>
+            <a:ext cx="9071280" cy="1261800"/>
+          </a:xfrm>
+          <a:prstGeom prst="rect">
+            <a:avLst/>
+          </a:prstGeom>
+        </p:spPr>
+        <p:txBody>
+          <a:bodyPr lIns="0" rIns="0" tIns="0" bIns="0" anchor="ctr"/>
+          <a:p>
+            <a:pPr algn="ctr"/>
+            <a:endParaRPr b="0" lang="en-NZ" sz="4400" spc="-1" strike="noStrike">
+              <a:solidFill>
+                <a:srgbClr val="000000"/>
+              </a:solidFill>
+              <a:uFill>
+                <a:solidFill>
+                  <a:srgbClr val="ffffff"/>
+                </a:solidFill>
+              </a:uFill>
+              <a:latin typeface="Arial"/>
+            </a:endParaRPr>
+          </a:p>
+        </p:txBody>
+      </p:sp>
+      <p:sp>
+        <p:nvSpPr>
+          <p:cNvPr id="60" name="PlaceHolder 2"/>
+          <p:cNvSpPr>
+            <a:spLocks noGrp="1"/>
+          </p:cNvSpPr>
+          <p:nvPr>
+            <p:ph type="body"/>
+          </p:nvPr>
+        </p:nvSpPr>
+        <p:spPr>
+          <a:xfrm>
+            <a:off x="504000" y="1769040"/>
+            <a:ext cx="9071280" cy="2090880"/>
+          </a:xfrm>
+          <a:prstGeom prst="rect">
+            <a:avLst/>
+          </a:prstGeom>
+        </p:spPr>
+        <p:txBody>
+          <a:bodyPr lIns="0" rIns="0" tIns="0" bIns="0"/>
+          <a:p>
+            <a:endParaRPr b="0" lang="en-NZ" sz="3200" spc="-1" strike="noStrike">
+              <a:solidFill>
+                <a:srgbClr val="000000"/>
+              </a:solidFill>
+              <a:uFill>
+                <a:solidFill>
+                  <a:srgbClr val="ffffff"/>
+                </a:solidFill>
+              </a:uFill>
+              <a:latin typeface="Arial"/>
+            </a:endParaRPr>
+          </a:p>
+        </p:txBody>
+      </p:sp>
+      <p:sp>
+        <p:nvSpPr>
+          <p:cNvPr id="61" name="PlaceHolder 3"/>
+          <p:cNvSpPr>
+            <a:spLocks noGrp="1"/>
+          </p:cNvSpPr>
+          <p:nvPr>
+            <p:ph type="body"/>
+          </p:nvPr>
+        </p:nvSpPr>
+        <p:spPr>
+          <a:xfrm>
+            <a:off x="504000" y="4059000"/>
+            <a:ext cx="9071280" cy="2090880"/>
+          </a:xfrm>
+          <a:prstGeom prst="rect">
+            <a:avLst/>
+          </a:prstGeom>
+        </p:spPr>
+        <p:txBody>
+          <a:bodyPr lIns="0" rIns="0" tIns="0" bIns="0"/>
+          <a:p>
+            <a:endParaRPr b="0" lang="en-NZ" sz="3200" spc="-1" strike="noStrike">
+              <a:solidFill>
+                <a:srgbClr val="000000"/>
+              </a:solidFill>
+              <a:uFill>
+                <a:solidFill>
+                  <a:srgbClr val="ffffff"/>
+                </a:solidFill>
+              </a:uFill>
+              <a:latin typeface="Arial"/>
+            </a:endParaRPr>
+          </a:p>
+        </p:txBody>
+      </p:sp>
+    </p:spTree>
+  </p:cSld>
+</p:sldLayout>
+</file>
+
+<file path=ppt/slideLayouts/slideLayout23.xml><?xml version="1.0" encoding="utf-8"?>
+<p:sldLayout xmlns:a="http://schemas.openxmlformats.org/drawingml/2006/main" xmlns:p="http://schemas.openxmlformats.org/presentationml/2006/main" xmlns:r="http://schemas.openxmlformats.org/officeDocument/2006/relationships" xmlns:p14="http://schemas.microsoft.com/office/powerpoint/2010/main" xmlns:p15="http://schemas.microsoft.com/office/powerpoint/2012/main" xmlns:mc="http://schemas.openxmlformats.org/markup-compatibility/2006" type="fourObj" preserve="1">
+  <p:cSld name="Title, 4 Content">
+    <p:spTree>
+      <p:nvGrpSpPr>
+        <p:cNvPr id="1" name=""/>
+        <p:cNvGrpSpPr/>
+        <p:nvPr/>
+      </p:nvGrpSpPr>
+      <p:grpSpPr>
+        <a:xfrm>
+          <a:off x="0" y="0"/>
+          <a:ext cx="0" cy="0"/>
+          <a:chOff x="0" y="0"/>
+          <a:chExt cx="0" cy="0"/>
+        </a:xfrm>
+      </p:grpSpPr>
+      <p:sp>
+        <p:nvSpPr>
+          <p:cNvPr id="62" name="PlaceHolder 1"/>
+          <p:cNvSpPr>
+            <a:spLocks noGrp="1"/>
+          </p:cNvSpPr>
+          <p:nvPr>
+            <p:ph type="title"/>
+          </p:nvPr>
+        </p:nvSpPr>
+        <p:spPr>
+          <a:xfrm>
+            <a:off x="504000" y="301320"/>
+            <a:ext cx="9071280" cy="1261800"/>
+          </a:xfrm>
+          <a:prstGeom prst="rect">
+            <a:avLst/>
+          </a:prstGeom>
+        </p:spPr>
+        <p:txBody>
+          <a:bodyPr lIns="0" rIns="0" tIns="0" bIns="0" anchor="ctr"/>
+          <a:p>
+            <a:pPr algn="ctr"/>
+            <a:endParaRPr b="0" lang="en-NZ" sz="4400" spc="-1" strike="noStrike">
+              <a:solidFill>
+                <a:srgbClr val="000000"/>
+              </a:solidFill>
+              <a:uFill>
+                <a:solidFill>
+                  <a:srgbClr val="ffffff"/>
+                </a:solidFill>
+              </a:uFill>
+              <a:latin typeface="Arial"/>
+            </a:endParaRPr>
+          </a:p>
+        </p:txBody>
+      </p:sp>
+      <p:sp>
+        <p:nvSpPr>
+          <p:cNvPr id="63" name="PlaceHolder 2"/>
+          <p:cNvSpPr>
+            <a:spLocks noGrp="1"/>
+          </p:cNvSpPr>
+          <p:nvPr>
+            <p:ph type="body"/>
+          </p:nvPr>
+        </p:nvSpPr>
+        <p:spPr>
+          <a:xfrm>
+            <a:off x="504000" y="1769040"/>
+            <a:ext cx="4426560" cy="2090880"/>
+          </a:xfrm>
+          <a:prstGeom prst="rect">
+            <a:avLst/>
+          </a:prstGeom>
+        </p:spPr>
+        <p:txBody>
+          <a:bodyPr lIns="0" rIns="0" tIns="0" bIns="0"/>
+          <a:p>
+            <a:endParaRPr b="0" lang="en-NZ" sz="3200" spc="-1" strike="noStrike">
+              <a:solidFill>
+                <a:srgbClr val="000000"/>
+              </a:solidFill>
+              <a:uFill>
+                <a:solidFill>
+                  <a:srgbClr val="ffffff"/>
+                </a:solidFill>
+              </a:uFill>
+              <a:latin typeface="Arial"/>
+            </a:endParaRPr>
+          </a:p>
+        </p:txBody>
+      </p:sp>
+      <p:sp>
+        <p:nvSpPr>
+          <p:cNvPr id="64" name="PlaceHolder 3"/>
+          <p:cNvSpPr>
+            <a:spLocks noGrp="1"/>
+          </p:cNvSpPr>
+          <p:nvPr>
+            <p:ph type="body"/>
+          </p:nvPr>
+        </p:nvSpPr>
+        <p:spPr>
+          <a:xfrm>
+            <a:off x="5152320" y="1769040"/>
+            <a:ext cx="4426560" cy="2090880"/>
+          </a:xfrm>
+          <a:prstGeom prst="rect">
+            <a:avLst/>
+          </a:prstGeom>
+        </p:spPr>
+        <p:txBody>
+          <a:bodyPr lIns="0" rIns="0" tIns="0" bIns="0"/>
+          <a:p>
+            <a:endParaRPr b="0" lang="en-NZ" sz="3200" spc="-1" strike="noStrike">
+              <a:solidFill>
+                <a:srgbClr val="000000"/>
+              </a:solidFill>
+              <a:uFill>
+                <a:solidFill>
+                  <a:srgbClr val="ffffff"/>
+                </a:solidFill>
+              </a:uFill>
+              <a:latin typeface="Arial"/>
+            </a:endParaRPr>
+          </a:p>
+        </p:txBody>
+      </p:sp>
+      <p:sp>
+        <p:nvSpPr>
+          <p:cNvPr id="65" name="PlaceHolder 4"/>
+          <p:cNvSpPr>
+            <a:spLocks noGrp="1"/>
+          </p:cNvSpPr>
+          <p:nvPr>
+            <p:ph type="body"/>
+          </p:nvPr>
+        </p:nvSpPr>
+        <p:spPr>
+          <a:xfrm>
+            <a:off x="5152320" y="4059000"/>
+            <a:ext cx="4426560" cy="2090880"/>
+          </a:xfrm>
+          <a:prstGeom prst="rect">
+            <a:avLst/>
+          </a:prstGeom>
+        </p:spPr>
+        <p:txBody>
+          <a:bodyPr lIns="0" rIns="0" tIns="0" bIns="0"/>
+          <a:p>
+            <a:endParaRPr b="0" lang="en-NZ" sz="3200" spc="-1" strike="noStrike">
+              <a:solidFill>
+                <a:srgbClr val="000000"/>
+              </a:solidFill>
+              <a:uFill>
+                <a:solidFill>
+                  <a:srgbClr val="ffffff"/>
+                </a:solidFill>
+              </a:uFill>
+              <a:latin typeface="Arial"/>
+            </a:endParaRPr>
+          </a:p>
+        </p:txBody>
+      </p:sp>
+      <p:sp>
+        <p:nvSpPr>
+          <p:cNvPr id="66" name="PlaceHolder 5"/>
+          <p:cNvSpPr>
+            <a:spLocks noGrp="1"/>
+          </p:cNvSpPr>
+          <p:nvPr>
+            <p:ph type="body"/>
+          </p:nvPr>
+        </p:nvSpPr>
+        <p:spPr>
+          <a:xfrm>
+            <a:off x="504000" y="4059000"/>
+            <a:ext cx="4426560" cy="2090880"/>
+          </a:xfrm>
+          <a:prstGeom prst="rect">
+            <a:avLst/>
+          </a:prstGeom>
+        </p:spPr>
+        <p:txBody>
+          <a:bodyPr lIns="0" rIns="0" tIns="0" bIns="0"/>
+          <a:p>
+            <a:endParaRPr b="0" lang="en-NZ" sz="3200" spc="-1" strike="noStrike">
+              <a:solidFill>
+                <a:srgbClr val="000000"/>
+              </a:solidFill>
+              <a:uFill>
+                <a:solidFill>
+                  <a:srgbClr val="ffffff"/>
+                </a:solidFill>
+              </a:uFill>
+              <a:latin typeface="Arial"/>
+            </a:endParaRPr>
+          </a:p>
+        </p:txBody>
+      </p:sp>
+    </p:spTree>
+  </p:cSld>
+</p:sldLayout>
+</file>
+
+<file path=ppt/slideLayouts/slideLayout24.xml><?xml version="1.0" encoding="utf-8"?>
+<p:sldLayout xmlns:a="http://schemas.openxmlformats.org/drawingml/2006/main" xmlns:p="http://schemas.openxmlformats.org/presentationml/2006/main" xmlns:r="http://schemas.openxmlformats.org/officeDocument/2006/relationships" xmlns:p14="http://schemas.microsoft.com/office/powerpoint/2010/main" xmlns:p15="http://schemas.microsoft.com/office/powerpoint/2012/main" xmlns:mc="http://schemas.openxmlformats.org/markup-compatibility/2006" type="blank" preserve="1">
+  <p:cSld name="Title, 6 Content">
+    <p:spTree>
+      <p:nvGrpSpPr>
+        <p:cNvPr id="1" name=""/>
+        <p:cNvGrpSpPr/>
+        <p:nvPr/>
+      </p:nvGrpSpPr>
+      <p:grpSpPr>
+        <a:xfrm>
+          <a:off x="0" y="0"/>
+          <a:ext cx="0" cy="0"/>
+          <a:chOff x="0" y="0"/>
+          <a:chExt cx="0" cy="0"/>
+        </a:xfrm>
+      </p:grpSpPr>
+      <p:sp>
+        <p:nvSpPr>
+          <p:cNvPr id="67" name="PlaceHolder 1"/>
+          <p:cNvSpPr>
+            <a:spLocks noGrp="1"/>
+          </p:cNvSpPr>
+          <p:nvPr>
+            <p:ph type="title"/>
+          </p:nvPr>
+        </p:nvSpPr>
+        <p:spPr>
+          <a:xfrm>
+            <a:off x="504000" y="301320"/>
+            <a:ext cx="9071280" cy="1261800"/>
+          </a:xfrm>
+          <a:prstGeom prst="rect">
+            <a:avLst/>
+          </a:prstGeom>
+        </p:spPr>
+        <p:txBody>
+          <a:bodyPr lIns="0" rIns="0" tIns="0" bIns="0" anchor="ctr"/>
+          <a:p>
+            <a:pPr algn="ctr"/>
+            <a:endParaRPr b="0" lang="en-NZ" sz="4400" spc="-1" strike="noStrike">
+              <a:solidFill>
+                <a:srgbClr val="000000"/>
+              </a:solidFill>
+              <a:uFill>
+                <a:solidFill>
+                  <a:srgbClr val="ffffff"/>
+                </a:solidFill>
+              </a:uFill>
+              <a:latin typeface="Arial"/>
+            </a:endParaRPr>
+          </a:p>
+        </p:txBody>
+      </p:sp>
+      <p:sp>
+        <p:nvSpPr>
+          <p:cNvPr id="68" name="PlaceHolder 2"/>
+          <p:cNvSpPr>
+            <a:spLocks noGrp="1"/>
+          </p:cNvSpPr>
+          <p:nvPr>
+            <p:ph type="body"/>
+          </p:nvPr>
+        </p:nvSpPr>
+        <p:spPr>
+          <a:xfrm>
+            <a:off x="504000" y="1769040"/>
+            <a:ext cx="9071280" cy="4384080"/>
+          </a:xfrm>
+          <a:prstGeom prst="rect">
+            <a:avLst/>
+          </a:prstGeom>
+        </p:spPr>
+        <p:txBody>
+          <a:bodyPr lIns="0" rIns="0" tIns="0" bIns="0"/>
+          <a:p>
+            <a:endParaRPr b="0" lang="en-NZ" sz="3200" spc="-1" strike="noStrike">
+              <a:solidFill>
+                <a:srgbClr val="000000"/>
+              </a:solidFill>
+              <a:uFill>
+                <a:solidFill>
+                  <a:srgbClr val="ffffff"/>
+                </a:solidFill>
+              </a:uFill>
+              <a:latin typeface="Arial"/>
+            </a:endParaRPr>
+          </a:p>
+        </p:txBody>
+      </p:sp>
+      <p:sp>
+        <p:nvSpPr>
+          <p:cNvPr id="69" name="PlaceHolder 3"/>
+          <p:cNvSpPr>
+            <a:spLocks noGrp="1"/>
+          </p:cNvSpPr>
+          <p:nvPr>
+            <p:ph type="body"/>
+          </p:nvPr>
+        </p:nvSpPr>
+        <p:spPr>
+          <a:xfrm>
+            <a:off x="504000" y="1769040"/>
+            <a:ext cx="9071280" cy="4384080"/>
+          </a:xfrm>
+          <a:prstGeom prst="rect">
+            <a:avLst/>
+          </a:prstGeom>
+        </p:spPr>
+        <p:txBody>
+          <a:bodyPr lIns="0" rIns="0" tIns="0" bIns="0"/>
+          <a:p>
+            <a:endParaRPr b="0" lang="en-NZ" sz="3200" spc="-1" strike="noStrike">
+              <a:solidFill>
+                <a:srgbClr val="000000"/>
+              </a:solidFill>
+              <a:uFill>
+                <a:solidFill>
+                  <a:srgbClr val="ffffff"/>
+                </a:solidFill>
+              </a:uFill>
+              <a:latin typeface="Arial"/>
+            </a:endParaRPr>
+          </a:p>
+        </p:txBody>
+      </p:sp>
+      <p:pic>
+        <p:nvPicPr>
+          <p:cNvPr id="70" name="" descr=""/>
+          <p:cNvPicPr/>
+          <p:nvPr/>
+        </p:nvPicPr>
+        <p:blipFill>
+          <a:blip r:embed="rId2"/>
+          <a:stretch/>
+        </p:blipFill>
+        <p:spPr>
+          <a:xfrm>
+            <a:off x="2292840" y="1769040"/>
+            <a:ext cx="5493600" cy="4384080"/>
+          </a:xfrm>
+          <a:prstGeom prst="rect">
+            <a:avLst/>
+          </a:prstGeom>
+          <a:ln>
+            <a:noFill/>
+          </a:ln>
+        </p:spPr>
+      </p:pic>
+      <p:pic>
+        <p:nvPicPr>
+          <p:cNvPr id="71" name="" descr=""/>
+          <p:cNvPicPr/>
+          <p:nvPr/>
+        </p:nvPicPr>
+        <p:blipFill>
+          <a:blip r:embed="rId3"/>
+          <a:stretch/>
+        </p:blipFill>
+        <p:spPr>
+          <a:xfrm>
+            <a:off x="2292840" y="1769040"/>
+            <a:ext cx="5493600" cy="4384080"/>
+          </a:xfrm>
+          <a:prstGeom prst="rect">
+            <a:avLst/>
+          </a:prstGeom>
+          <a:ln>
+            <a:noFill/>
+          </a:ln>
+        </p:spPr>
+      </p:pic>
     </p:spTree>
   </p:cSld>
 </p:sldLayout>
@@ -680,7 +2724,7 @@
       </p:grpSpPr>
       <p:sp>
         <p:nvSpPr>
-          <p:cNvPr id="7" name="PlaceHolder 1"/>
+          <p:cNvPr id="4" name="PlaceHolder 1"/>
           <p:cNvSpPr>
             <a:spLocks noGrp="1"/>
           </p:cNvSpPr>
@@ -691,7 +2735,7 @@
         <p:spPr>
           <a:xfrm>
             <a:off x="504000" y="301320"/>
-            <a:ext cx="9071640" cy="1262160"/>
+            <a:ext cx="9071280" cy="1261800"/>
           </a:xfrm>
           <a:prstGeom prst="rect">
             <a:avLst/>
@@ -717,7 +2761,7 @@
       </p:sp>
       <p:sp>
         <p:nvSpPr>
-          <p:cNvPr id="8" name="PlaceHolder 2"/>
+          <p:cNvPr id="5" name="PlaceHolder 2"/>
           <p:cNvSpPr>
             <a:spLocks noGrp="1"/>
           </p:cNvSpPr>
@@ -728,7 +2772,7 @@
         <p:spPr>
           <a:xfrm>
             <a:off x="504000" y="1769040"/>
-            <a:ext cx="9071640" cy="4384440"/>
+            <a:ext cx="9071280" cy="4384080"/>
           </a:xfrm>
           <a:prstGeom prst="rect">
             <a:avLst/>
@@ -775,7 +2819,7 @@
       </p:grpSpPr>
       <p:sp>
         <p:nvSpPr>
-          <p:cNvPr id="9" name="PlaceHolder 1"/>
+          <p:cNvPr id="6" name="PlaceHolder 1"/>
           <p:cNvSpPr>
             <a:spLocks noGrp="1"/>
           </p:cNvSpPr>
@@ -786,7 +2830,7 @@
         <p:spPr>
           <a:xfrm>
             <a:off x="504000" y="301320"/>
-            <a:ext cx="9071640" cy="1262160"/>
+            <a:ext cx="9071280" cy="1261800"/>
           </a:xfrm>
           <a:prstGeom prst="rect">
             <a:avLst/>
@@ -812,7 +2856,7 @@
       </p:sp>
       <p:sp>
         <p:nvSpPr>
-          <p:cNvPr id="10" name="PlaceHolder 2"/>
+          <p:cNvPr id="7" name="PlaceHolder 2"/>
           <p:cNvSpPr>
             <a:spLocks noGrp="1"/>
           </p:cNvSpPr>
@@ -823,7 +2867,7 @@
         <p:spPr>
           <a:xfrm>
             <a:off x="504000" y="1769040"/>
-            <a:ext cx="4426920" cy="4384440"/>
+            <a:ext cx="4426560" cy="4384080"/>
           </a:xfrm>
           <a:prstGeom prst="rect">
             <a:avLst/>
@@ -848,7 +2892,7 @@
       </p:sp>
       <p:sp>
         <p:nvSpPr>
-          <p:cNvPr id="11" name="PlaceHolder 3"/>
+          <p:cNvPr id="8" name="PlaceHolder 3"/>
           <p:cNvSpPr>
             <a:spLocks noGrp="1"/>
           </p:cNvSpPr>
@@ -858,8 +2902,8 @@
         </p:nvSpPr>
         <p:spPr>
           <a:xfrm>
-            <a:off x="5152680" y="1769040"/>
-            <a:ext cx="4426920" cy="4384440"/>
+            <a:off x="5152320" y="1769040"/>
+            <a:ext cx="4426560" cy="4384080"/>
           </a:xfrm>
           <a:prstGeom prst="rect">
             <a:avLst/>
@@ -906,7 +2950,7 @@
       </p:grpSpPr>
       <p:sp>
         <p:nvSpPr>
-          <p:cNvPr id="12" name="PlaceHolder 1"/>
+          <p:cNvPr id="9" name="PlaceHolder 1"/>
           <p:cNvSpPr>
             <a:spLocks noGrp="1"/>
           </p:cNvSpPr>
@@ -917,7 +2961,7 @@
         <p:spPr>
           <a:xfrm>
             <a:off x="504000" y="301320"/>
-            <a:ext cx="9071640" cy="1262160"/>
+            <a:ext cx="9071280" cy="1261800"/>
           </a:xfrm>
           <a:prstGeom prst="rect">
             <a:avLst/>
@@ -965,7 +3009,7 @@
       </p:grpSpPr>
       <p:sp>
         <p:nvSpPr>
-          <p:cNvPr id="13" name="PlaceHolder 1"/>
+          <p:cNvPr id="10" name="PlaceHolder 1"/>
           <p:cNvSpPr>
             <a:spLocks noGrp="1"/>
           </p:cNvSpPr>
@@ -976,7 +3020,7 @@
         <p:spPr>
           <a:xfrm>
             <a:off x="504000" y="301320"/>
-            <a:ext cx="9071640" cy="5851800"/>
+            <a:ext cx="9071280" cy="5850360"/>
           </a:xfrm>
           <a:prstGeom prst="rect">
             <a:avLst/>
@@ -1024,7 +3068,7 @@
       </p:grpSpPr>
       <p:sp>
         <p:nvSpPr>
-          <p:cNvPr id="14" name="PlaceHolder 1"/>
+          <p:cNvPr id="11" name="PlaceHolder 1"/>
           <p:cNvSpPr>
             <a:spLocks noGrp="1"/>
           </p:cNvSpPr>
@@ -1035,7 +3079,7 @@
         <p:spPr>
           <a:xfrm>
             <a:off x="504000" y="301320"/>
-            <a:ext cx="9071640" cy="1262160"/>
+            <a:ext cx="9071280" cy="1261800"/>
           </a:xfrm>
           <a:prstGeom prst="rect">
             <a:avLst/>
@@ -1061,7 +3105,7 @@
       </p:sp>
       <p:sp>
         <p:nvSpPr>
-          <p:cNvPr id="15" name="PlaceHolder 2"/>
+          <p:cNvPr id="12" name="PlaceHolder 2"/>
           <p:cNvSpPr>
             <a:spLocks noGrp="1"/>
           </p:cNvSpPr>
@@ -1072,7 +3116,7 @@
         <p:spPr>
           <a:xfrm>
             <a:off x="504000" y="1769040"/>
-            <a:ext cx="4426920" cy="2091240"/>
+            <a:ext cx="4426560" cy="2090880"/>
           </a:xfrm>
           <a:prstGeom prst="rect">
             <a:avLst/>
@@ -1097,7 +3141,7 @@
       </p:sp>
       <p:sp>
         <p:nvSpPr>
-          <p:cNvPr id="16" name="PlaceHolder 3"/>
+          <p:cNvPr id="13" name="PlaceHolder 3"/>
           <p:cNvSpPr>
             <a:spLocks noGrp="1"/>
           </p:cNvSpPr>
@@ -1107,8 +3151,8 @@
         </p:nvSpPr>
         <p:spPr>
           <a:xfrm>
-            <a:off x="504000" y="4059360"/>
-            <a:ext cx="4426920" cy="2091240"/>
+            <a:off x="504000" y="4059000"/>
+            <a:ext cx="4426560" cy="2090880"/>
           </a:xfrm>
           <a:prstGeom prst="rect">
             <a:avLst/>
@@ -1133,7 +3177,7 @@
       </p:sp>
       <p:sp>
         <p:nvSpPr>
-          <p:cNvPr id="17" name="PlaceHolder 4"/>
+          <p:cNvPr id="14" name="PlaceHolder 4"/>
           <p:cNvSpPr>
             <a:spLocks noGrp="1"/>
           </p:cNvSpPr>
@@ -1143,8 +3187,8 @@
         </p:nvSpPr>
         <p:spPr>
           <a:xfrm>
-            <a:off x="5152680" y="1769040"/>
-            <a:ext cx="4426920" cy="4384440"/>
+            <a:off x="5152320" y="1769040"/>
+            <a:ext cx="4426560" cy="4384080"/>
           </a:xfrm>
           <a:prstGeom prst="rect">
             <a:avLst/>
@@ -1191,7 +3235,7 @@
       </p:grpSpPr>
       <p:sp>
         <p:nvSpPr>
-          <p:cNvPr id="18" name="PlaceHolder 1"/>
+          <p:cNvPr id="15" name="PlaceHolder 1"/>
           <p:cNvSpPr>
             <a:spLocks noGrp="1"/>
           </p:cNvSpPr>
@@ -1202,7 +3246,7 @@
         <p:spPr>
           <a:xfrm>
             <a:off x="504000" y="301320"/>
-            <a:ext cx="9071640" cy="1262160"/>
+            <a:ext cx="9071280" cy="1261800"/>
           </a:xfrm>
           <a:prstGeom prst="rect">
             <a:avLst/>
@@ -1228,7 +3272,7 @@
       </p:sp>
       <p:sp>
         <p:nvSpPr>
-          <p:cNvPr id="19" name="PlaceHolder 2"/>
+          <p:cNvPr id="16" name="PlaceHolder 2"/>
           <p:cNvSpPr>
             <a:spLocks noGrp="1"/>
           </p:cNvSpPr>
@@ -1239,7 +3283,7 @@
         <p:spPr>
           <a:xfrm>
             <a:off x="504000" y="1769040"/>
-            <a:ext cx="4426920" cy="4384440"/>
+            <a:ext cx="4426560" cy="4384080"/>
           </a:xfrm>
           <a:prstGeom prst="rect">
             <a:avLst/>
@@ -1264,7 +3308,7 @@
       </p:sp>
       <p:sp>
         <p:nvSpPr>
-          <p:cNvPr id="20" name="PlaceHolder 3"/>
+          <p:cNvPr id="17" name="PlaceHolder 3"/>
           <p:cNvSpPr>
             <a:spLocks noGrp="1"/>
           </p:cNvSpPr>
@@ -1274,8 +3318,8 @@
         </p:nvSpPr>
         <p:spPr>
           <a:xfrm>
-            <a:off x="5152680" y="1769040"/>
-            <a:ext cx="4426920" cy="2091240"/>
+            <a:off x="5152320" y="1769040"/>
+            <a:ext cx="4426560" cy="2090880"/>
           </a:xfrm>
           <a:prstGeom prst="rect">
             <a:avLst/>
@@ -1300,7 +3344,7 @@
       </p:sp>
       <p:sp>
         <p:nvSpPr>
-          <p:cNvPr id="21" name="PlaceHolder 4"/>
+          <p:cNvPr id="18" name="PlaceHolder 4"/>
           <p:cNvSpPr>
             <a:spLocks noGrp="1"/>
           </p:cNvSpPr>
@@ -1310,8 +3354,8 @@
         </p:nvSpPr>
         <p:spPr>
           <a:xfrm>
-            <a:off x="5152680" y="4059360"/>
-            <a:ext cx="4426920" cy="2091240"/>
+            <a:off x="5152320" y="4059000"/>
+            <a:ext cx="4426560" cy="2090880"/>
           </a:xfrm>
           <a:prstGeom prst="rect">
             <a:avLst/>
@@ -1358,7 +3402,7 @@
       </p:grpSpPr>
       <p:sp>
         <p:nvSpPr>
-          <p:cNvPr id="22" name="PlaceHolder 1"/>
+          <p:cNvPr id="19" name="PlaceHolder 1"/>
           <p:cNvSpPr>
             <a:spLocks noGrp="1"/>
           </p:cNvSpPr>
@@ -1369,7 +3413,7 @@
         <p:spPr>
           <a:xfrm>
             <a:off x="504000" y="301320"/>
-            <a:ext cx="9071640" cy="1262160"/>
+            <a:ext cx="9071280" cy="1261800"/>
           </a:xfrm>
           <a:prstGeom prst="rect">
             <a:avLst/>
@@ -1395,7 +3439,7 @@
       </p:sp>
       <p:sp>
         <p:nvSpPr>
-          <p:cNvPr id="23" name="PlaceHolder 2"/>
+          <p:cNvPr id="20" name="PlaceHolder 2"/>
           <p:cNvSpPr>
             <a:spLocks noGrp="1"/>
           </p:cNvSpPr>
@@ -1406,7 +3450,7 @@
         <p:spPr>
           <a:xfrm>
             <a:off x="504000" y="1769040"/>
-            <a:ext cx="4426920" cy="2091240"/>
+            <a:ext cx="4426560" cy="2090880"/>
           </a:xfrm>
           <a:prstGeom prst="rect">
             <a:avLst/>
@@ -1431,7 +3475,7 @@
       </p:sp>
       <p:sp>
         <p:nvSpPr>
-          <p:cNvPr id="24" name="PlaceHolder 3"/>
+          <p:cNvPr id="21" name="PlaceHolder 3"/>
           <p:cNvSpPr>
             <a:spLocks noGrp="1"/>
           </p:cNvSpPr>
@@ -1441,8 +3485,8 @@
         </p:nvSpPr>
         <p:spPr>
           <a:xfrm>
-            <a:off x="5152680" y="1769040"/>
-            <a:ext cx="4426920" cy="2091240"/>
+            <a:off x="5152320" y="1769040"/>
+            <a:ext cx="4426560" cy="2090880"/>
           </a:xfrm>
           <a:prstGeom prst="rect">
             <a:avLst/>
@@ -1467,7 +3511,7 @@
       </p:sp>
       <p:sp>
         <p:nvSpPr>
-          <p:cNvPr id="25" name="PlaceHolder 4"/>
+          <p:cNvPr id="22" name="PlaceHolder 4"/>
           <p:cNvSpPr>
             <a:spLocks noGrp="1"/>
           </p:cNvSpPr>
@@ -1477,8 +3521,8 @@
         </p:nvSpPr>
         <p:spPr>
           <a:xfrm>
-            <a:off x="504000" y="4059360"/>
-            <a:ext cx="9071640" cy="2091240"/>
+            <a:off x="504000" y="4059000"/>
+            <a:ext cx="9071280" cy="2090880"/>
           </a:xfrm>
           <a:prstGeom prst="rect">
             <a:avLst/>
@@ -1536,7 +3580,7 @@
         <p:spPr>
           <a:xfrm>
             <a:off x="504000" y="301320"/>
-            <a:ext cx="9071640" cy="1262160"/>
+            <a:ext cx="9071280" cy="1261800"/>
           </a:xfrm>
           <a:prstGeom prst="rect">
             <a:avLst/>
@@ -1546,20 +3590,6 @@
           <a:bodyPr lIns="0" rIns="0" tIns="0" bIns="0" anchor="ctr"/>
           <a:p>
             <a:pPr algn="ctr"/>
-            <a:r>
-              <a:rPr b="0" lang="en-NZ" sz="4400" spc="-1" strike="noStrike">
-                <a:solidFill>
-                  <a:srgbClr val="000000"/>
-                </a:solidFill>
-                <a:uFill>
-                  <a:solidFill>
-                    <a:srgbClr val="ffffff"/>
-                  </a:solidFill>
-                </a:uFill>
-                <a:latin typeface="Arial"/>
-              </a:rPr>
-              <a:t>Click to edit the title text format</a:t>
-            </a:r>
             <a:endParaRPr b="0" lang="en-NZ" sz="4400" spc="-1" strike="noStrike">
               <a:solidFill>
                 <a:srgbClr val="000000"/>
@@ -1586,8 +3616,8 @@
         </p:nvSpPr>
         <p:spPr>
           <a:xfrm>
-            <a:off x="504000" y="1769040"/>
-            <a:ext cx="9071640" cy="4384440"/>
+            <a:off x="504000" y="1768680"/>
+            <a:ext cx="9072000" cy="4384080"/>
           </a:xfrm>
           <a:prstGeom prst="rect">
             <a:avLst/>
@@ -1838,158 +3868,6 @@
                 </a:solidFill>
               </a:uFill>
               <a:latin typeface="Arial"/>
-            </a:endParaRPr>
-          </a:p>
-        </p:txBody>
-      </p:sp>
-      <p:sp>
-        <p:nvSpPr>
-          <p:cNvPr id="2" name="PlaceHolder 3"/>
-          <p:cNvSpPr>
-            <a:spLocks noGrp="1"/>
-          </p:cNvSpPr>
-          <p:nvPr>
-            <p:ph type="dt"/>
-          </p:nvPr>
-        </p:nvSpPr>
-        <p:spPr>
-          <a:xfrm>
-            <a:off x="504000" y="6887160"/>
-            <a:ext cx="2348280" cy="521280"/>
-          </a:xfrm>
-          <a:prstGeom prst="rect">
-            <a:avLst/>
-          </a:prstGeom>
-        </p:spPr>
-        <p:txBody>
-          <a:bodyPr lIns="0" rIns="0" tIns="0" bIns="0"/>
-          <a:p>
-            <a:r>
-              <a:rPr b="0" lang="en-NZ" sz="1400" spc="-1" strike="noStrike">
-                <a:solidFill>
-                  <a:srgbClr val="000000"/>
-                </a:solidFill>
-                <a:uFill>
-                  <a:solidFill>
-                    <a:srgbClr val="ffffff"/>
-                  </a:solidFill>
-                </a:uFill>
-                <a:latin typeface="Times New Roman"/>
-              </a:rPr>
-              <a:t>&lt;date/time&gt;</a:t>
-            </a:r>
-            <a:endParaRPr b="0" lang="en-NZ" sz="1400" spc="-1" strike="noStrike">
-              <a:solidFill>
-                <a:srgbClr val="000000"/>
-              </a:solidFill>
-              <a:uFill>
-                <a:solidFill>
-                  <a:srgbClr val="ffffff"/>
-                </a:solidFill>
-              </a:uFill>
-              <a:latin typeface="Times New Roman"/>
-            </a:endParaRPr>
-          </a:p>
-        </p:txBody>
-      </p:sp>
-      <p:sp>
-        <p:nvSpPr>
-          <p:cNvPr id="3" name="PlaceHolder 4"/>
-          <p:cNvSpPr>
-            <a:spLocks noGrp="1"/>
-          </p:cNvSpPr>
-          <p:nvPr>
-            <p:ph type="ftr"/>
-          </p:nvPr>
-        </p:nvSpPr>
-        <p:spPr>
-          <a:xfrm>
-            <a:off x="3447360" y="6887160"/>
-            <a:ext cx="3195000" cy="521280"/>
-          </a:xfrm>
-          <a:prstGeom prst="rect">
-            <a:avLst/>
-          </a:prstGeom>
-        </p:spPr>
-        <p:txBody>
-          <a:bodyPr lIns="0" rIns="0" tIns="0" bIns="0"/>
-          <a:p>
-            <a:pPr algn="ctr"/>
-            <a:r>
-              <a:rPr b="0" lang="en-NZ" sz="1400" spc="-1" strike="noStrike">
-                <a:solidFill>
-                  <a:srgbClr val="000000"/>
-                </a:solidFill>
-                <a:uFill>
-                  <a:solidFill>
-                    <a:srgbClr val="ffffff"/>
-                  </a:solidFill>
-                </a:uFill>
-                <a:latin typeface="Times New Roman"/>
-              </a:rPr>
-              <a:t>&lt;footer&gt;</a:t>
-            </a:r>
-            <a:endParaRPr b="0" lang="en-NZ" sz="1400" spc="-1" strike="noStrike">
-              <a:solidFill>
-                <a:srgbClr val="000000"/>
-              </a:solidFill>
-              <a:uFill>
-                <a:solidFill>
-                  <a:srgbClr val="ffffff"/>
-                </a:solidFill>
-              </a:uFill>
-              <a:latin typeface="Times New Roman"/>
-            </a:endParaRPr>
-          </a:p>
-        </p:txBody>
-      </p:sp>
-      <p:sp>
-        <p:nvSpPr>
-          <p:cNvPr id="4" name="PlaceHolder 5"/>
-          <p:cNvSpPr>
-            <a:spLocks noGrp="1"/>
-          </p:cNvSpPr>
-          <p:nvPr>
-            <p:ph type="sldNum"/>
-          </p:nvPr>
-        </p:nvSpPr>
-        <p:spPr>
-          <a:xfrm>
-            <a:off x="7227360" y="6887160"/>
-            <a:ext cx="2348280" cy="521280"/>
-          </a:xfrm>
-          <a:prstGeom prst="rect">
-            <a:avLst/>
-          </a:prstGeom>
-        </p:spPr>
-        <p:txBody>
-          <a:bodyPr lIns="0" rIns="0" tIns="0" bIns="0"/>
-          <a:p>
-            <a:pPr algn="r"/>
-            <a:fld id="{879956E2-B3FF-4359-9E60-05F9C289B36A}" type="slidenum">
-              <a:rPr b="0" lang="en-NZ" sz="1400" spc="-1" strike="noStrike">
-                <a:solidFill>
-                  <a:srgbClr val="000000"/>
-                </a:solidFill>
-                <a:uFill>
-                  <a:solidFill>
-                    <a:srgbClr val="ffffff"/>
-                  </a:solidFill>
-                </a:uFill>
-                <a:latin typeface="Times New Roman"/>
-              </a:rPr>
-              <a:t>&lt;number&gt;</a:t>
-            </a:fld>
-            <a:endParaRPr b="0" lang="en-NZ" sz="1400" spc="-1" strike="noStrike">
-              <a:solidFill>
-                <a:srgbClr val="000000"/>
-              </a:solidFill>
-              <a:uFill>
-                <a:solidFill>
-                  <a:srgbClr val="ffffff"/>
-                </a:solidFill>
-              </a:uFill>
-              <a:latin typeface="Times New Roman"/>
             </a:endParaRPr>
           </a:p>
         </p:txBody>
@@ -2010,6 +3888,348 @@
     <p:sldLayoutId id="2147483658" r:id="rId11"/>
     <p:sldLayoutId id="2147483659" r:id="rId12"/>
     <p:sldLayoutId id="2147483660" r:id="rId13"/>
+  </p:sldLayoutIdLst>
+</p:sldMaster>
+</file>
+
+<file path=ppt/slideMasters/slideMaster2.xml><?xml version="1.0" encoding="utf-8"?>
+<p:sldMaster xmlns:a="http://schemas.openxmlformats.org/drawingml/2006/main" xmlns:p="http://schemas.openxmlformats.org/presentationml/2006/main" xmlns:r="http://schemas.openxmlformats.org/officeDocument/2006/relationships" xmlns:p14="http://schemas.microsoft.com/office/powerpoint/2010/main" xmlns:p15="http://schemas.microsoft.com/office/powerpoint/2012/main" xmlns:mc="http://schemas.openxmlformats.org/markup-compatibility/2006">
+  <p:cSld>
+    <p:spTree>
+      <p:nvGrpSpPr>
+        <p:cNvPr id="1" name=""/>
+        <p:cNvGrpSpPr/>
+        <p:nvPr/>
+      </p:nvGrpSpPr>
+      <p:grpSpPr>
+        <a:xfrm>
+          <a:off x="0" y="0"/>
+          <a:ext cx="0" cy="0"/>
+          <a:chOff x="0" y="0"/>
+          <a:chExt cx="0" cy="0"/>
+        </a:xfrm>
+      </p:grpSpPr>
+      <p:sp>
+        <p:nvSpPr>
+          <p:cNvPr id="36" name="PlaceHolder 1"/>
+          <p:cNvSpPr>
+            <a:spLocks noGrp="1"/>
+          </p:cNvSpPr>
+          <p:nvPr>
+            <p:ph type="title"/>
+          </p:nvPr>
+        </p:nvSpPr>
+        <p:spPr>
+          <a:xfrm>
+            <a:off x="504000" y="301320"/>
+            <a:ext cx="9071280" cy="1261800"/>
+          </a:xfrm>
+          <a:prstGeom prst="rect">
+            <a:avLst/>
+          </a:prstGeom>
+        </p:spPr>
+        <p:txBody>
+          <a:bodyPr lIns="0" rIns="0" tIns="0" bIns="0" anchor="ctr"/>
+          <a:p>
+            <a:pPr algn="ctr"/>
+            <a:endParaRPr b="0" lang="en-NZ" sz="4400" spc="-1" strike="noStrike">
+              <a:solidFill>
+                <a:srgbClr val="000000"/>
+              </a:solidFill>
+              <a:uFill>
+                <a:solidFill>
+                  <a:srgbClr val="ffffff"/>
+                </a:solidFill>
+              </a:uFill>
+              <a:latin typeface="Arial"/>
+            </a:endParaRPr>
+          </a:p>
+        </p:txBody>
+      </p:sp>
+      <p:sp>
+        <p:nvSpPr>
+          <p:cNvPr id="37" name="PlaceHolder 2"/>
+          <p:cNvSpPr>
+            <a:spLocks noGrp="1"/>
+          </p:cNvSpPr>
+          <p:nvPr>
+            <p:ph type="body"/>
+          </p:nvPr>
+        </p:nvSpPr>
+        <p:spPr>
+          <a:xfrm>
+            <a:off x="504000" y="1769040"/>
+            <a:ext cx="9071280" cy="4384080"/>
+          </a:xfrm>
+          <a:prstGeom prst="rect">
+            <a:avLst/>
+          </a:prstGeom>
+        </p:spPr>
+        <p:txBody>
+          <a:bodyPr lIns="0" rIns="0" tIns="0" bIns="0"/>
+          <a:p>
+            <a:pPr marL="432000" indent="-324000">
+              <a:buClr>
+                <a:srgbClr val="000000"/>
+              </a:buClr>
+              <a:buSzPct val="45000"/>
+              <a:buFont typeface="Wingdings" charset="2"/>
+              <a:buChar char=""/>
+            </a:pPr>
+            <a:r>
+              <a:rPr b="0" lang="en-NZ" sz="1800" spc="-1" strike="noStrike">
+                <a:solidFill>
+                  <a:srgbClr val="000000"/>
+                </a:solidFill>
+                <a:uFill>
+                  <a:solidFill>
+                    <a:srgbClr val="ffffff"/>
+                  </a:solidFill>
+                </a:uFill>
+                <a:latin typeface="Arial"/>
+              </a:rPr>
+              <a:t>Click to edit the outline text format</a:t>
+            </a:r>
+            <a:endParaRPr b="0" lang="en-NZ" sz="1800" spc="-1" strike="noStrike">
+              <a:solidFill>
+                <a:srgbClr val="000000"/>
+              </a:solidFill>
+              <a:uFill>
+                <a:solidFill>
+                  <a:srgbClr val="ffffff"/>
+                </a:solidFill>
+              </a:uFill>
+              <a:latin typeface="Arial"/>
+            </a:endParaRPr>
+          </a:p>
+          <a:p>
+            <a:pPr lvl="1" marL="864000" indent="-324000">
+              <a:buClr>
+                <a:srgbClr val="000000"/>
+              </a:buClr>
+              <a:buSzPct val="75000"/>
+              <a:buFont typeface="Symbol" charset="2"/>
+              <a:buChar char=""/>
+            </a:pPr>
+            <a:r>
+              <a:rPr b="0" lang="en-NZ" sz="1800" spc="-1" strike="noStrike">
+                <a:solidFill>
+                  <a:srgbClr val="000000"/>
+                </a:solidFill>
+                <a:uFill>
+                  <a:solidFill>
+                    <a:srgbClr val="ffffff"/>
+                  </a:solidFill>
+                </a:uFill>
+                <a:latin typeface="Arial"/>
+              </a:rPr>
+              <a:t>Second Outline Level</a:t>
+            </a:r>
+            <a:endParaRPr b="0" lang="en-NZ" sz="1800" spc="-1" strike="noStrike">
+              <a:solidFill>
+                <a:srgbClr val="000000"/>
+              </a:solidFill>
+              <a:uFill>
+                <a:solidFill>
+                  <a:srgbClr val="ffffff"/>
+                </a:solidFill>
+              </a:uFill>
+              <a:latin typeface="Arial"/>
+            </a:endParaRPr>
+          </a:p>
+          <a:p>
+            <a:pPr lvl="2" marL="1296000" indent="-288000">
+              <a:buClr>
+                <a:srgbClr val="000000"/>
+              </a:buClr>
+              <a:buSzPct val="45000"/>
+              <a:buFont typeface="Wingdings" charset="2"/>
+              <a:buChar char=""/>
+            </a:pPr>
+            <a:r>
+              <a:rPr b="0" lang="en-NZ" sz="1800" spc="-1" strike="noStrike">
+                <a:solidFill>
+                  <a:srgbClr val="000000"/>
+                </a:solidFill>
+                <a:uFill>
+                  <a:solidFill>
+                    <a:srgbClr val="ffffff"/>
+                  </a:solidFill>
+                </a:uFill>
+                <a:latin typeface="Arial"/>
+              </a:rPr>
+              <a:t>Third Outline Level</a:t>
+            </a:r>
+            <a:endParaRPr b="0" lang="en-NZ" sz="1800" spc="-1" strike="noStrike">
+              <a:solidFill>
+                <a:srgbClr val="000000"/>
+              </a:solidFill>
+              <a:uFill>
+                <a:solidFill>
+                  <a:srgbClr val="ffffff"/>
+                </a:solidFill>
+              </a:uFill>
+              <a:latin typeface="Arial"/>
+            </a:endParaRPr>
+          </a:p>
+          <a:p>
+            <a:pPr lvl="3" marL="1728000" indent="-216000">
+              <a:buClr>
+                <a:srgbClr val="000000"/>
+              </a:buClr>
+              <a:buSzPct val="75000"/>
+              <a:buFont typeface="Symbol" charset="2"/>
+              <a:buChar char=""/>
+            </a:pPr>
+            <a:r>
+              <a:rPr b="0" lang="en-NZ" sz="1800" spc="-1" strike="noStrike">
+                <a:solidFill>
+                  <a:srgbClr val="000000"/>
+                </a:solidFill>
+                <a:uFill>
+                  <a:solidFill>
+                    <a:srgbClr val="ffffff"/>
+                  </a:solidFill>
+                </a:uFill>
+                <a:latin typeface="Arial"/>
+              </a:rPr>
+              <a:t>Fourth Outline Level</a:t>
+            </a:r>
+            <a:endParaRPr b="0" lang="en-NZ" sz="1800" spc="-1" strike="noStrike">
+              <a:solidFill>
+                <a:srgbClr val="000000"/>
+              </a:solidFill>
+              <a:uFill>
+                <a:solidFill>
+                  <a:srgbClr val="ffffff"/>
+                </a:solidFill>
+              </a:uFill>
+              <a:latin typeface="Arial"/>
+            </a:endParaRPr>
+          </a:p>
+          <a:p>
+            <a:pPr lvl="4" marL="2160000" indent="-216000">
+              <a:buClr>
+                <a:srgbClr val="000000"/>
+              </a:buClr>
+              <a:buSzPct val="45000"/>
+              <a:buFont typeface="Wingdings" charset="2"/>
+              <a:buChar char=""/>
+            </a:pPr>
+            <a:r>
+              <a:rPr b="0" lang="en-NZ" sz="1800" spc="-1" strike="noStrike">
+                <a:solidFill>
+                  <a:srgbClr val="000000"/>
+                </a:solidFill>
+                <a:uFill>
+                  <a:solidFill>
+                    <a:srgbClr val="ffffff"/>
+                  </a:solidFill>
+                </a:uFill>
+                <a:latin typeface="Arial"/>
+              </a:rPr>
+              <a:t>Fifth Outline Level</a:t>
+            </a:r>
+            <a:endParaRPr b="0" lang="en-NZ" sz="1800" spc="-1" strike="noStrike">
+              <a:solidFill>
+                <a:srgbClr val="000000"/>
+              </a:solidFill>
+              <a:uFill>
+                <a:solidFill>
+                  <a:srgbClr val="ffffff"/>
+                </a:solidFill>
+              </a:uFill>
+              <a:latin typeface="Arial"/>
+            </a:endParaRPr>
+          </a:p>
+          <a:p>
+            <a:pPr lvl="5" marL="2592000" indent="-216000">
+              <a:buClr>
+                <a:srgbClr val="000000"/>
+              </a:buClr>
+              <a:buSzPct val="45000"/>
+              <a:buFont typeface="Wingdings" charset="2"/>
+              <a:buChar char=""/>
+            </a:pPr>
+            <a:r>
+              <a:rPr b="0" lang="en-NZ" sz="1800" spc="-1" strike="noStrike">
+                <a:solidFill>
+                  <a:srgbClr val="000000"/>
+                </a:solidFill>
+                <a:uFill>
+                  <a:solidFill>
+                    <a:srgbClr val="ffffff"/>
+                  </a:solidFill>
+                </a:uFill>
+                <a:latin typeface="Arial"/>
+              </a:rPr>
+              <a:t>Sixth Outline Level</a:t>
+            </a:r>
+            <a:endParaRPr b="0" lang="en-NZ" sz="1800" spc="-1" strike="noStrike">
+              <a:solidFill>
+                <a:srgbClr val="000000"/>
+              </a:solidFill>
+              <a:uFill>
+                <a:solidFill>
+                  <a:srgbClr val="ffffff"/>
+                </a:solidFill>
+              </a:uFill>
+              <a:latin typeface="Arial"/>
+            </a:endParaRPr>
+          </a:p>
+          <a:p>
+            <a:pPr lvl="6" marL="3024000" indent="-216000">
+              <a:buClr>
+                <a:srgbClr val="000000"/>
+              </a:buClr>
+              <a:buSzPct val="45000"/>
+              <a:buFont typeface="Wingdings" charset="2"/>
+              <a:buChar char=""/>
+            </a:pPr>
+            <a:r>
+              <a:rPr b="0" lang="en-NZ" sz="1800" spc="-1" strike="noStrike">
+                <a:solidFill>
+                  <a:srgbClr val="000000"/>
+                </a:solidFill>
+                <a:uFill>
+                  <a:solidFill>
+                    <a:srgbClr val="ffffff"/>
+                  </a:solidFill>
+                </a:uFill>
+                <a:latin typeface="Arial"/>
+              </a:rPr>
+              <a:t>Seventh Outline Level</a:t>
+            </a:r>
+            <a:endParaRPr b="0" lang="en-NZ" sz="1800" spc="-1" strike="noStrike">
+              <a:solidFill>
+                <a:srgbClr val="000000"/>
+              </a:solidFill>
+              <a:uFill>
+                <a:solidFill>
+                  <a:srgbClr val="ffffff"/>
+                </a:solidFill>
+              </a:uFill>
+              <a:latin typeface="Arial"/>
+            </a:endParaRPr>
+          </a:p>
+        </p:txBody>
+      </p:sp>
+    </p:spTree>
+  </p:cSld>
+  <p:clrMap bg1="lt1" bg2="lt2" tx1="dk1" tx2="dk2" accent1="accent1" accent2="accent2" accent3="accent3" accent4="accent4" accent5="accent5" accent6="accent6" hlink="hlink" folHlink="folHlink"/>
+  <p:sldLayoutIdLst>
+    <p:sldLayoutId id="2147483662" r:id="rId2"/>
+    <p:sldLayoutId id="2147483663" r:id="rId3"/>
+    <p:sldLayoutId id="2147483664" r:id="rId4"/>
+    <p:sldLayoutId id="2147483665" r:id="rId5"/>
+    <p:sldLayoutId id="2147483666" r:id="rId6"/>
+    <p:sldLayoutId id="2147483667" r:id="rId7"/>
+    <p:sldLayoutId id="2147483668" r:id="rId8"/>
+    <p:sldLayoutId id="2147483669" r:id="rId9"/>
+    <p:sldLayoutId id="2147483670" r:id="rId10"/>
+    <p:sldLayoutId id="2147483671" r:id="rId11"/>
+    <p:sldLayoutId id="2147483672" r:id="rId12"/>
+    <p:sldLayoutId id="2147483673" r:id="rId13"/>
   </p:sldLayoutIdLst>
 </p:sldMaster>
 </file>
@@ -2033,14 +4253,14 @@
       </p:grpSpPr>
       <p:sp>
         <p:nvSpPr>
-          <p:cNvPr id="39" name="TextShape 1"/>
-          <p:cNvSpPr txBox="1"/>
+          <p:cNvPr id="77" name="CustomShape 1"/>
+          <p:cNvSpPr/>
           <p:nvPr/>
         </p:nvSpPr>
         <p:spPr>
           <a:xfrm>
             <a:off x="504000" y="301320"/>
-            <a:ext cx="9071640" cy="1262160"/>
+            <a:ext cx="9071280" cy="1261800"/>
           </a:xfrm>
           <a:prstGeom prst="rect">
             <a:avLst/>
@@ -2050,10 +4270,20 @@
             <a:noFill/>
           </a:ln>
         </p:spPr>
+        <p:style>
+          <a:lnRef idx="0"/>
+          <a:fillRef idx="0"/>
+          <a:effectRef idx="0"/>
+          <a:fontRef idx="minor"/>
+        </p:style>
         <p:txBody>
           <a:bodyPr lIns="0" rIns="0" tIns="0" bIns="0" anchor="ctr"/>
           <a:p>
-            <a:pPr algn="ctr"/>
+            <a:pPr algn="ctr">
+              <a:lnSpc>
+                <a:spcPct val="100000"/>
+              </a:lnSpc>
+            </a:pPr>
             <a:r>
               <a:rPr b="0" lang="en-NZ" sz="4400" spc="-1" strike="noStrike">
                 <a:solidFill>
@@ -2068,30 +4298,30 @@
               </a:rPr>
               <a:t>Team Bastion</a:t>
             </a:r>
-            <a:endParaRPr b="0" lang="en-NZ" sz="4400" spc="-1" strike="noStrike">
-              <a:solidFill>
-                <a:srgbClr val="000000"/>
-              </a:solidFill>
-              <a:uFill>
-                <a:solidFill>
-                  <a:srgbClr val="ffffff"/>
-                </a:solidFill>
-              </a:uFill>
-              <a:latin typeface="Arial"/>
-            </a:endParaRPr>
-          </a:p>
-        </p:txBody>
-      </p:sp>
-      <p:sp>
-        <p:nvSpPr>
-          <p:cNvPr id="40" name="TextShape 2"/>
-          <p:cNvSpPr txBox="1"/>
+            <a:endParaRPr b="0" lang="en-NZ" sz="1800" spc="-1" strike="noStrike">
+              <a:solidFill>
+                <a:srgbClr val="000000"/>
+              </a:solidFill>
+              <a:uFill>
+                <a:solidFill>
+                  <a:srgbClr val="ffffff"/>
+                </a:solidFill>
+              </a:uFill>
+              <a:latin typeface="Arial"/>
+            </a:endParaRPr>
+          </a:p>
+        </p:txBody>
+      </p:sp>
+      <p:sp>
+        <p:nvSpPr>
+          <p:cNvPr id="78" name="CustomShape 2"/>
+          <p:cNvSpPr/>
           <p:nvPr/>
         </p:nvSpPr>
         <p:spPr>
           <a:xfrm>
             <a:off x="504000" y="1769040"/>
-            <a:ext cx="9071640" cy="4384440"/>
+            <a:ext cx="9071280" cy="4384080"/>
           </a:xfrm>
           <a:prstGeom prst="rect">
             <a:avLst/>
@@ -2101,10 +4331,20 @@
             <a:noFill/>
           </a:ln>
         </p:spPr>
+        <p:style>
+          <a:lnRef idx="0"/>
+          <a:fillRef idx="0"/>
+          <a:effectRef idx="0"/>
+          <a:fontRef idx="minor"/>
+        </p:style>
         <p:txBody>
           <a:bodyPr lIns="0" rIns="0" tIns="0" bIns="0" anchor="ctr"/>
           <a:p>
-            <a:pPr algn="ctr"/>
+            <a:pPr algn="ctr">
+              <a:lnSpc>
+                <a:spcPct val="100000"/>
+              </a:lnSpc>
+            </a:pPr>
             <a:r>
               <a:rPr b="0" lang="en-NZ" sz="3200" spc="-1" strike="noStrike">
                 <a:solidFill>
@@ -2119,20 +4359,24 @@
               </a:rPr>
               <a:t>Joely – Registration page</a:t>
             </a:r>
-            <a:endParaRPr b="0" lang="en-NZ" sz="3200" spc="-1" strike="noStrike">
-              <a:solidFill>
-                <a:srgbClr val="000000"/>
-              </a:solidFill>
-              <a:uFill>
-                <a:solidFill>
-                  <a:srgbClr val="ffffff"/>
-                </a:solidFill>
-              </a:uFill>
-              <a:latin typeface="Arial"/>
-            </a:endParaRPr>
-          </a:p>
-          <a:p>
-            <a:pPr algn="ctr"/>
+            <a:endParaRPr b="0" lang="en-NZ" sz="1800" spc="-1" strike="noStrike">
+              <a:solidFill>
+                <a:srgbClr val="000000"/>
+              </a:solidFill>
+              <a:uFill>
+                <a:solidFill>
+                  <a:srgbClr val="ffffff"/>
+                </a:solidFill>
+              </a:uFill>
+              <a:latin typeface="Arial"/>
+            </a:endParaRPr>
+          </a:p>
+          <a:p>
+            <a:pPr algn="ctr">
+              <a:lnSpc>
+                <a:spcPct val="100000"/>
+              </a:lnSpc>
+            </a:pPr>
             <a:r>
               <a:rPr b="0" lang="en-NZ" sz="3200" spc="-1" strike="noStrike">
                 <a:solidFill>
@@ -2147,20 +4391,24 @@
               </a:rPr>
               <a:t>Reuben - Login</a:t>
             </a:r>
-            <a:endParaRPr b="0" lang="en-NZ" sz="3200" spc="-1" strike="noStrike">
-              <a:solidFill>
-                <a:srgbClr val="000000"/>
-              </a:solidFill>
-              <a:uFill>
-                <a:solidFill>
-                  <a:srgbClr val="ffffff"/>
-                </a:solidFill>
-              </a:uFill>
-              <a:latin typeface="Arial"/>
-            </a:endParaRPr>
-          </a:p>
-          <a:p>
-            <a:pPr algn="ctr"/>
+            <a:endParaRPr b="0" lang="en-NZ" sz="1800" spc="-1" strike="noStrike">
+              <a:solidFill>
+                <a:srgbClr val="000000"/>
+              </a:solidFill>
+              <a:uFill>
+                <a:solidFill>
+                  <a:srgbClr val="ffffff"/>
+                </a:solidFill>
+              </a:uFill>
+              <a:latin typeface="Arial"/>
+            </a:endParaRPr>
+          </a:p>
+          <a:p>
+            <a:pPr algn="ctr">
+              <a:lnSpc>
+                <a:spcPct val="100000"/>
+              </a:lnSpc>
+            </a:pPr>
             <a:r>
               <a:rPr b="0" lang="en-NZ" sz="3200" spc="-1" strike="noStrike">
                 <a:solidFill>
@@ -2175,7 +4423,7 @@
               </a:rPr>
               <a:t>Vicki – Item database</a:t>
             </a:r>
-            <a:endParaRPr b="0" lang="en-NZ" sz="3200" spc="-1" strike="noStrike">
+            <a:endParaRPr b="0" lang="en-NZ" sz="1800" spc="-1" strike="noStrike">
               <a:solidFill>
                 <a:srgbClr val="000000"/>
               </a:solidFill>
@@ -2191,6 +4439,33 @@
       </p:sp>
     </p:spTree>
   </p:cSld>
+  <p:timing>
+    <p:tnLst>
+      <p:par>
+        <p:cTn id="1" dur="indefinite" restart="never" nodeType="tmRoot">
+          <p:childTnLst>
+            <p:seq>
+              <p:cTn id="2" nodeType="mainSeq"/>
+              <p:prevCondLst>
+                <p:cond delay="0" evt="onPrev">
+                  <p:tgtEl>
+                    <p:sldTgt/>
+                  </p:tgtEl>
+                </p:cond>
+              </p:prevCondLst>
+              <p:nextCondLst>
+                <p:cond delay="0" evt="onNext">
+                  <p:tgtEl>
+                    <p:sldTgt/>
+                  </p:tgtEl>
+                </p:cond>
+              </p:nextCondLst>
+            </p:seq>
+          </p:childTnLst>
+        </p:cTn>
+      </p:par>
+    </p:tnLst>
+  </p:timing>
 </p:sld>
 </file>
 
@@ -2213,14 +4488,14 @@
       </p:grpSpPr>
       <p:sp>
         <p:nvSpPr>
-          <p:cNvPr id="41" name="TextShape 1"/>
-          <p:cNvSpPr txBox="1"/>
+          <p:cNvPr id="79" name="CustomShape 1"/>
+          <p:cNvSpPr/>
           <p:nvPr/>
         </p:nvSpPr>
         <p:spPr>
           <a:xfrm>
             <a:off x="504000" y="301320"/>
-            <a:ext cx="9071640" cy="1262160"/>
+            <a:ext cx="9071280" cy="1261800"/>
           </a:xfrm>
           <a:prstGeom prst="rect">
             <a:avLst/>
@@ -2230,10 +4505,20 @@
             <a:noFill/>
           </a:ln>
         </p:spPr>
+        <p:style>
+          <a:lnRef idx="0"/>
+          <a:fillRef idx="0"/>
+          <a:effectRef idx="0"/>
+          <a:fontRef idx="minor"/>
+        </p:style>
         <p:txBody>
           <a:bodyPr lIns="0" rIns="0" tIns="0" bIns="0" anchor="ctr"/>
           <a:p>
-            <a:pPr algn="ctr"/>
+            <a:pPr algn="ctr">
+              <a:lnSpc>
+                <a:spcPct val="100000"/>
+              </a:lnSpc>
+            </a:pPr>
             <a:r>
               <a:rPr b="0" lang="en-NZ" sz="4400" spc="-1" strike="noStrike">
                 <a:solidFill>
@@ -2248,30 +4533,30 @@
               </a:rPr>
               <a:t>Current progress</a:t>
             </a:r>
-            <a:endParaRPr b="0" lang="en-NZ" sz="4400" spc="-1" strike="noStrike">
-              <a:solidFill>
-                <a:srgbClr val="000000"/>
-              </a:solidFill>
-              <a:uFill>
-                <a:solidFill>
-                  <a:srgbClr val="ffffff"/>
-                </a:solidFill>
-              </a:uFill>
-              <a:latin typeface="Arial"/>
-            </a:endParaRPr>
-          </a:p>
-        </p:txBody>
-      </p:sp>
-      <p:sp>
-        <p:nvSpPr>
-          <p:cNvPr id="42" name="TextShape 2"/>
-          <p:cNvSpPr txBox="1"/>
+            <a:endParaRPr b="0" lang="en-NZ" sz="1800" spc="-1" strike="noStrike">
+              <a:solidFill>
+                <a:srgbClr val="000000"/>
+              </a:solidFill>
+              <a:uFill>
+                <a:solidFill>
+                  <a:srgbClr val="ffffff"/>
+                </a:solidFill>
+              </a:uFill>
+              <a:latin typeface="Arial"/>
+            </a:endParaRPr>
+          </a:p>
+        </p:txBody>
+      </p:sp>
+      <p:sp>
+        <p:nvSpPr>
+          <p:cNvPr id="80" name="CustomShape 2"/>
+          <p:cNvSpPr/>
           <p:nvPr/>
         </p:nvSpPr>
         <p:spPr>
           <a:xfrm>
             <a:off x="504000" y="1769040"/>
-            <a:ext cx="9071640" cy="4384440"/>
+            <a:ext cx="9071280" cy="4384080"/>
           </a:xfrm>
           <a:prstGeom prst="rect">
             <a:avLst/>
@@ -2281,10 +4566,19 @@
             <a:noFill/>
           </a:ln>
         </p:spPr>
+        <p:style>
+          <a:lnRef idx="0"/>
+          <a:fillRef idx="0"/>
+          <a:effectRef idx="0"/>
+          <a:fontRef idx="minor"/>
+        </p:style>
         <p:txBody>
           <a:bodyPr lIns="0" rIns="0" tIns="0" bIns="0"/>
           <a:p>
-            <a:pPr marL="432000" indent="-324000">
+            <a:pPr marL="432000" indent="-323640">
+              <a:lnSpc>
+                <a:spcPct val="100000"/>
+              </a:lnSpc>
               <a:buClr>
                 <a:srgbClr val="000000"/>
               </a:buClr>
@@ -2306,20 +4600,23 @@
               </a:rPr>
               <a:t>Working registration page with validated fields</a:t>
             </a:r>
-            <a:endParaRPr b="0" lang="en-NZ" sz="3200" spc="-1" strike="noStrike">
-              <a:solidFill>
-                <a:srgbClr val="000000"/>
-              </a:solidFill>
-              <a:uFill>
-                <a:solidFill>
-                  <a:srgbClr val="ffffff"/>
-                </a:solidFill>
-              </a:uFill>
-              <a:latin typeface="Arial"/>
-            </a:endParaRPr>
-          </a:p>
-          <a:p>
-            <a:pPr marL="432000" indent="-324000">
+            <a:endParaRPr b="0" lang="en-NZ" sz="1800" spc="-1" strike="noStrike">
+              <a:solidFill>
+                <a:srgbClr val="000000"/>
+              </a:solidFill>
+              <a:uFill>
+                <a:solidFill>
+                  <a:srgbClr val="ffffff"/>
+                </a:solidFill>
+              </a:uFill>
+              <a:latin typeface="Arial"/>
+            </a:endParaRPr>
+          </a:p>
+          <a:p>
+            <a:pPr marL="432000" indent="-323640">
+              <a:lnSpc>
+                <a:spcPct val="100000"/>
+              </a:lnSpc>
               <a:buClr>
                 <a:srgbClr val="000000"/>
               </a:buClr>
@@ -2339,22 +4636,25 @@
                 </a:uFill>
                 <a:latin typeface="Arial"/>
               </a:rPr>
-              <a:t>Application hosted on Heroku</a:t>
+              <a:t>Local Node.js application linked to client HTML/jQuery</a:t>
             </a:r>
-            <a:endParaRPr b="0" lang="en-NZ" sz="3200" spc="-1" strike="noStrike">
-              <a:solidFill>
-                <a:srgbClr val="000000"/>
-              </a:solidFill>
-              <a:uFill>
-                <a:solidFill>
-                  <a:srgbClr val="ffffff"/>
-                </a:solidFill>
-              </a:uFill>
-              <a:latin typeface="Arial"/>
-            </a:endParaRPr>
-          </a:p>
-          <a:p>
-            <a:pPr marL="432000" indent="-324000">
+            <a:endParaRPr b="0" lang="en-NZ" sz="1800" spc="-1" strike="noStrike">
+              <a:solidFill>
+                <a:srgbClr val="000000"/>
+              </a:solidFill>
+              <a:uFill>
+                <a:solidFill>
+                  <a:srgbClr val="ffffff"/>
+                </a:solidFill>
+              </a:uFill>
+              <a:latin typeface="Arial"/>
+            </a:endParaRPr>
+          </a:p>
+          <a:p>
+            <a:pPr marL="432000" indent="-323640">
+              <a:lnSpc>
+                <a:spcPct val="100000"/>
+              </a:lnSpc>
               <a:buClr>
                 <a:srgbClr val="000000"/>
               </a:buClr>
@@ -2374,9 +4674,9 @@
                 </a:uFill>
                 <a:latin typeface="Arial"/>
               </a:rPr>
-              <a:t> </a:t>
+              <a:t>Login page</a:t>
             </a:r>
-            <a:endParaRPr b="0" lang="en-NZ" sz="3200" spc="-1" strike="noStrike">
+            <a:endParaRPr b="0" lang="en-NZ" sz="1800" spc="-1" strike="noStrike">
               <a:solidFill>
                 <a:srgbClr val="000000"/>
               </a:solidFill>
@@ -2392,6 +4692,33 @@
       </p:sp>
     </p:spTree>
   </p:cSld>
+  <p:timing>
+    <p:tnLst>
+      <p:par>
+        <p:cTn id="3" dur="indefinite" restart="never" nodeType="tmRoot">
+          <p:childTnLst>
+            <p:seq>
+              <p:cTn id="4" nodeType="mainSeq"/>
+              <p:prevCondLst>
+                <p:cond delay="0" evt="onPrev">
+                  <p:tgtEl>
+                    <p:sldTgt/>
+                  </p:tgtEl>
+                </p:cond>
+              </p:prevCondLst>
+              <p:nextCondLst>
+                <p:cond delay="0" evt="onNext">
+                  <p:tgtEl>
+                    <p:sldTgt/>
+                  </p:tgtEl>
+                </p:cond>
+              </p:nextCondLst>
+            </p:seq>
+          </p:childTnLst>
+        </p:cTn>
+      </p:par>
+    </p:tnLst>
+  </p:timing>
 </p:sld>
 </file>
 
@@ -2414,7 +4741,7 @@
       </p:grpSpPr>
       <p:pic>
         <p:nvPicPr>
-          <p:cNvPr id="43" name="" descr=""/>
+          <p:cNvPr id="81" name="" descr=""/>
           <p:cNvPicPr/>
           <p:nvPr/>
         </p:nvPicPr>
@@ -2426,7 +4753,7 @@
         <p:spPr>
           <a:xfrm>
             <a:off x="360" y="1424520"/>
-            <a:ext cx="10079640" cy="4710960"/>
+            <a:ext cx="10079280" cy="4710600"/>
           </a:xfrm>
           <a:prstGeom prst="rect">
             <a:avLst/>
@@ -2438,6 +4765,33 @@
       </p:pic>
     </p:spTree>
   </p:cSld>
+  <p:timing>
+    <p:tnLst>
+      <p:par>
+        <p:cTn id="5" dur="indefinite" restart="never" nodeType="tmRoot">
+          <p:childTnLst>
+            <p:seq>
+              <p:cTn id="6" nodeType="mainSeq"/>
+              <p:prevCondLst>
+                <p:cond delay="0" evt="onPrev">
+                  <p:tgtEl>
+                    <p:sldTgt/>
+                  </p:tgtEl>
+                </p:cond>
+              </p:prevCondLst>
+              <p:nextCondLst>
+                <p:cond delay="0" evt="onNext">
+                  <p:tgtEl>
+                    <p:sldTgt/>
+                  </p:tgtEl>
+                </p:cond>
+              </p:nextCondLst>
+            </p:seq>
+          </p:childTnLst>
+        </p:cTn>
+      </p:par>
+    </p:tnLst>
+  </p:timing>
 </p:sld>
 </file>
 
@@ -2460,7 +4814,7 @@
       </p:grpSpPr>
       <p:pic>
         <p:nvPicPr>
-          <p:cNvPr id="44" name="" descr=""/>
+          <p:cNvPr id="82" name="" descr=""/>
           <p:cNvPicPr/>
           <p:nvPr/>
         </p:nvPicPr>
@@ -2472,7 +4826,7 @@
         <p:spPr>
           <a:xfrm>
             <a:off x="36000" y="407880"/>
-            <a:ext cx="10008000" cy="6744240"/>
+            <a:ext cx="10007640" cy="6743880"/>
           </a:xfrm>
           <a:prstGeom prst="rect">
             <a:avLst/>
@@ -2482,6 +4836,250 @@
           </a:ln>
         </p:spPr>
       </p:pic>
+    </p:spTree>
+  </p:cSld>
+  <p:timing>
+    <p:tnLst>
+      <p:par>
+        <p:cTn id="7" dur="indefinite" restart="never" nodeType="tmRoot">
+          <p:childTnLst>
+            <p:seq>
+              <p:cTn id="8" nodeType="mainSeq"/>
+              <p:prevCondLst>
+                <p:cond delay="0" evt="onPrev">
+                  <p:tgtEl>
+                    <p:sldTgt/>
+                  </p:tgtEl>
+                </p:cond>
+              </p:prevCondLst>
+              <p:nextCondLst>
+                <p:cond delay="0" evt="onNext">
+                  <p:tgtEl>
+                    <p:sldTgt/>
+                  </p:tgtEl>
+                </p:cond>
+              </p:nextCondLst>
+            </p:seq>
+          </p:childTnLst>
+        </p:cTn>
+      </p:par>
+    </p:tnLst>
+  </p:timing>
+</p:sld>
+</file>
+
+<file path=ppt/slides/slide5.xml><?xml version="1.0" encoding="utf-8"?>
+<p:sld xmlns:a="http://schemas.openxmlformats.org/drawingml/2006/main" xmlns:p="http://schemas.openxmlformats.org/presentationml/2006/main" xmlns:r="http://schemas.openxmlformats.org/officeDocument/2006/relationships" xmlns:p14="http://schemas.microsoft.com/office/powerpoint/2010/main" xmlns:p15="http://schemas.microsoft.com/office/powerpoint/2012/main" xmlns:mc="http://schemas.openxmlformats.org/markup-compatibility/2006">
+  <p:cSld>
+    <p:spTree>
+      <p:nvGrpSpPr>
+        <p:cNvPr id="1" name=""/>
+        <p:cNvGrpSpPr/>
+        <p:nvPr/>
+      </p:nvGrpSpPr>
+      <p:grpSpPr>
+        <a:xfrm>
+          <a:off x="0" y="0"/>
+          <a:ext cx="0" cy="0"/>
+          <a:chOff x="0" y="0"/>
+          <a:chExt cx="0" cy="0"/>
+        </a:xfrm>
+      </p:grpSpPr>
+      <p:pic>
+        <p:nvPicPr>
+          <p:cNvPr id="83" name="" descr=""/>
+          <p:cNvPicPr/>
+          <p:nvPr/>
+        </p:nvPicPr>
+        <p:blipFill>
+          <a:blip r:embed="rId1"/>
+          <a:stretch/>
+        </p:blipFill>
+        <p:spPr>
+          <a:xfrm>
+            <a:off x="1593000" y="29520"/>
+            <a:ext cx="6949440" cy="7559280"/>
+          </a:xfrm>
+          <a:prstGeom prst="rect">
+            <a:avLst/>
+          </a:prstGeom>
+          <a:ln>
+            <a:noFill/>
+          </a:ln>
+        </p:spPr>
+      </p:pic>
+    </p:spTree>
+  </p:cSld>
+  <p:timing>
+    <p:tnLst>
+      <p:par>
+        <p:cTn id="9" dur="indefinite" restart="never" nodeType="tmRoot">
+          <p:childTnLst>
+            <p:seq>
+              <p:cTn id="10" nodeType="mainSeq"/>
+              <p:prevCondLst>
+                <p:cond delay="0" evt="onPrev">
+                  <p:tgtEl>
+                    <p:sldTgt/>
+                  </p:tgtEl>
+                </p:cond>
+              </p:prevCondLst>
+              <p:nextCondLst>
+                <p:cond delay="0" evt="onNext">
+                  <p:tgtEl>
+                    <p:sldTgt/>
+                  </p:tgtEl>
+                </p:cond>
+              </p:nextCondLst>
+            </p:seq>
+          </p:childTnLst>
+        </p:cTn>
+      </p:par>
+    </p:tnLst>
+  </p:timing>
+</p:sld>
+</file>
+
+<file path=ppt/slides/slide6.xml><?xml version="1.0" encoding="utf-8"?>
+<p:sld xmlns:a="http://schemas.openxmlformats.org/drawingml/2006/main" xmlns:p="http://schemas.openxmlformats.org/presentationml/2006/main" xmlns:r="http://schemas.openxmlformats.org/officeDocument/2006/relationships" xmlns:p14="http://schemas.microsoft.com/office/powerpoint/2010/main" xmlns:p15="http://schemas.microsoft.com/office/powerpoint/2012/main" xmlns:mc="http://schemas.openxmlformats.org/markup-compatibility/2006">
+  <p:cSld>
+    <p:spTree>
+      <p:nvGrpSpPr>
+        <p:cNvPr id="1" name=""/>
+        <p:cNvGrpSpPr/>
+        <p:nvPr/>
+      </p:nvGrpSpPr>
+      <p:grpSpPr>
+        <a:xfrm>
+          <a:off x="0" y="0"/>
+          <a:ext cx="0" cy="0"/>
+          <a:chOff x="0" y="0"/>
+          <a:chExt cx="0" cy="0"/>
+        </a:xfrm>
+      </p:grpSpPr>
+      <p:pic>
+        <p:nvPicPr>
+          <p:cNvPr id="84" name="" descr=""/>
+          <p:cNvPicPr/>
+          <p:nvPr/>
+        </p:nvPicPr>
+        <p:blipFill>
+          <a:blip r:embed="rId1"/>
+          <a:stretch/>
+        </p:blipFill>
+        <p:spPr>
+          <a:xfrm>
+            <a:off x="1088640" y="29520"/>
+            <a:ext cx="7957800" cy="7559280"/>
+          </a:xfrm>
+          <a:prstGeom prst="rect">
+            <a:avLst/>
+          </a:prstGeom>
+          <a:ln>
+            <a:noFill/>
+          </a:ln>
+        </p:spPr>
+      </p:pic>
+    </p:spTree>
+  </p:cSld>
+  <p:timing>
+    <p:tnLst>
+      <p:par>
+        <p:cTn id="11" dur="indefinite" restart="never" nodeType="tmRoot">
+          <p:childTnLst>
+            <p:seq>
+              <p:cTn id="12" nodeType="mainSeq"/>
+              <p:prevCondLst>
+                <p:cond delay="0" evt="onPrev">
+                  <p:tgtEl>
+                    <p:sldTgt/>
+                  </p:tgtEl>
+                </p:cond>
+              </p:prevCondLst>
+              <p:nextCondLst>
+                <p:cond delay="0" evt="onNext">
+                  <p:tgtEl>
+                    <p:sldTgt/>
+                  </p:tgtEl>
+                </p:cond>
+              </p:nextCondLst>
+            </p:seq>
+          </p:childTnLst>
+        </p:cTn>
+      </p:par>
+    </p:tnLst>
+  </p:timing>
+</p:sld>
+</file>
+
+<file path=ppt/slides/slide7.xml><?xml version="1.0" encoding="utf-8"?>
+<p:sld xmlns:a="http://schemas.openxmlformats.org/drawingml/2006/main" xmlns:p="http://schemas.openxmlformats.org/presentationml/2006/main" xmlns:r="http://schemas.openxmlformats.org/officeDocument/2006/relationships" xmlns:p14="http://schemas.microsoft.com/office/powerpoint/2010/main" xmlns:p15="http://schemas.microsoft.com/office/powerpoint/2012/main" xmlns:mc="http://schemas.openxmlformats.org/markup-compatibility/2006">
+  <p:cSld>
+    <p:spTree>
+      <p:nvGrpSpPr>
+        <p:cNvPr id="1" name=""/>
+        <p:cNvGrpSpPr/>
+        <p:nvPr/>
+      </p:nvGrpSpPr>
+      <p:grpSpPr>
+        <a:xfrm>
+          <a:off x="0" y="0"/>
+          <a:ext cx="0" cy="0"/>
+          <a:chOff x="0" y="0"/>
+          <a:chExt cx="0" cy="0"/>
+        </a:xfrm>
+      </p:grpSpPr>
+      <p:sp>
+        <p:nvSpPr>
+          <p:cNvPr id="85" name="TextShape 1"/>
+          <p:cNvSpPr txBox="1"/>
+          <p:nvPr/>
+        </p:nvSpPr>
+        <p:spPr>
+          <a:xfrm>
+            <a:off x="504000" y="301320"/>
+            <a:ext cx="9071280" cy="1261800"/>
+          </a:xfrm>
+          <a:prstGeom prst="rect">
+            <a:avLst/>
+          </a:prstGeom>
+          <a:noFill/>
+          <a:ln>
+            <a:noFill/>
+          </a:ln>
+        </p:spPr>
+        <p:txBody>
+          <a:bodyPr lIns="0" rIns="0" tIns="0" bIns="0" anchor="ctr"/>
+          <a:p>
+            <a:pPr algn="ctr"/>
+            <a:r>
+              <a:rPr b="0" lang="en-NZ" sz="4400" spc="-1" strike="noStrike">
+                <a:solidFill>
+                  <a:srgbClr val="000000"/>
+                </a:solidFill>
+                <a:uFill>
+                  <a:solidFill>
+                    <a:srgbClr val="ffffff"/>
+                  </a:solidFill>
+                </a:uFill>
+                <a:latin typeface="Arial"/>
+              </a:rPr>
+              <a:t>Next steps</a:t>
+            </a:r>
+            <a:endParaRPr b="0" lang="en-NZ" sz="4400" spc="-1" strike="noStrike">
+              <a:solidFill>
+                <a:srgbClr val="000000"/>
+              </a:solidFill>
+              <a:uFill>
+                <a:solidFill>
+                  <a:srgbClr val="ffffff"/>
+                </a:solidFill>
+              </a:uFill>
+              <a:latin typeface="Arial"/>
+            </a:endParaRPr>
+          </a:p>
+        </p:txBody>
+      </p:sp>
     </p:spTree>
   </p:cSld>
 </p:sld>
@@ -2708,4 +5306,450 @@
     </a:fmtScheme>
   </a:themeElements>
 </a:theme>
+</file>
+
+<file path=ppt/theme/theme2.xml><?xml version="1.0" encoding="utf-8"?>
+<a:theme xmlns:a="http://schemas.openxmlformats.org/drawingml/2006/main" name="Office Theme">
+  <a:themeElements>
+    <a:clrScheme name="Office">
+      <a:dk1>
+        <a:sysClr val="windowText" lastClr="000000"/>
+      </a:dk1>
+      <a:lt1>
+        <a:sysClr val="window" lastClr="FFFFFF"/>
+      </a:lt1>
+      <a:dk2>
+        <a:srgbClr val="1F497D"/>
+      </a:dk2>
+      <a:lt2>
+        <a:srgbClr val="EEECE1"/>
+      </a:lt2>
+      <a:accent1>
+        <a:srgbClr val="4F81BD"/>
+      </a:accent1>
+      <a:accent2>
+        <a:srgbClr val="C0504D"/>
+      </a:accent2>
+      <a:accent3>
+        <a:srgbClr val="9BBB59"/>
+      </a:accent3>
+      <a:accent4>
+        <a:srgbClr val="8064A2"/>
+      </a:accent4>
+      <a:accent5>
+        <a:srgbClr val="4BACC6"/>
+      </a:accent5>
+      <a:accent6>
+        <a:srgbClr val="F79646"/>
+      </a:accent6>
+      <a:hlink>
+        <a:srgbClr val="0000FF"/>
+      </a:hlink>
+      <a:folHlink>
+        <a:srgbClr val="800080"/>
+      </a:folHlink>
+    </a:clrScheme>
+    <a:fontScheme name="Office">
+      <a:majorFont>
+        <a:latin typeface="Arial"/>
+        <a:ea typeface="DejaVu Sans"/>
+        <a:cs typeface="DejaVu Sans"/>
+      </a:majorFont>
+      <a:minorFont>
+        <a:latin typeface="Arial"/>
+        <a:ea typeface="DejaVu Sans"/>
+        <a:cs typeface="DejaVu Sans"/>
+      </a:minorFont>
+    </a:fontScheme>
+    <a:fmtScheme name="Office">
+      <a:fillStyleLst>
+        <a:solidFill>
+          <a:schemeClr val="phClr"/>
+        </a:solidFill>
+        <a:gradFill rotWithShape="1">
+          <a:gsLst>
+            <a:gs pos="0">
+              <a:schemeClr val="phClr">
+                <a:tint val="50000"/>
+                <a:satMod val="300000"/>
+              </a:schemeClr>
+            </a:gs>
+            <a:gs pos="35000">
+              <a:schemeClr val="phClr">
+                <a:tint val="37000"/>
+                <a:satMod val="300000"/>
+              </a:schemeClr>
+            </a:gs>
+            <a:gs pos="100000">
+              <a:schemeClr val="phClr">
+                <a:tint val="15000"/>
+                <a:satMod val="350000"/>
+              </a:schemeClr>
+            </a:gs>
+          </a:gsLst>
+          <a:lin ang="16200000" scaled="1"/>
+        </a:gradFill>
+        <a:gradFill rotWithShape="1">
+          <a:gsLst>
+            <a:gs pos="0">
+              <a:schemeClr val="phClr">
+                <a:shade val="51000"/>
+                <a:satMod val="130000"/>
+              </a:schemeClr>
+            </a:gs>
+            <a:gs pos="80000">
+              <a:schemeClr val="phClr">
+                <a:shade val="93000"/>
+                <a:satMod val="130000"/>
+              </a:schemeClr>
+            </a:gs>
+            <a:gs pos="100000">
+              <a:schemeClr val="phClr">
+                <a:shade val="94000"/>
+                <a:satMod val="135000"/>
+              </a:schemeClr>
+            </a:gs>
+          </a:gsLst>
+          <a:lin ang="16200000" scaled="0"/>
+        </a:gradFill>
+      </a:fillStyleLst>
+      <a:lnStyleLst>
+        <a:ln w="9525" cap="flat" cmpd="sng" algn="ctr">
+          <a:solidFill>
+            <a:schemeClr val="phClr">
+              <a:shade val="95000"/>
+              <a:satMod val="105000"/>
+            </a:schemeClr>
+          </a:solidFill>
+          <a:prstDash val="solid"/>
+        </a:ln>
+        <a:ln w="25400" cap="flat" cmpd="sng" algn="ctr">
+          <a:solidFill>
+            <a:schemeClr val="phClr"/>
+          </a:solidFill>
+          <a:prstDash val="solid"/>
+        </a:ln>
+        <a:ln w="38100" cap="flat" cmpd="sng" algn="ctr">
+          <a:solidFill>
+            <a:schemeClr val="phClr"/>
+          </a:solidFill>
+          <a:prstDash val="solid"/>
+        </a:ln>
+      </a:lnStyleLst>
+      <a:effectStyleLst>
+        <a:effectStyle>
+          <a:effectLst>
+            <a:outerShdw blurRad="40000" dist="20000" dir="5400000" rotWithShape="0">
+              <a:srgbClr val="000000">
+                <a:alpha val="38000"/>
+              </a:srgbClr>
+            </a:outerShdw>
+          </a:effectLst>
+        </a:effectStyle>
+        <a:effectStyle>
+          <a:effectLst>
+            <a:outerShdw blurRad="40000" dist="23000" dir="5400000" rotWithShape="0">
+              <a:srgbClr val="000000">
+                <a:alpha val="35000"/>
+              </a:srgbClr>
+            </a:outerShdw>
+          </a:effectLst>
+        </a:effectStyle>
+        <a:effectStyle>
+          <a:effectLst>
+            <a:outerShdw blurRad="40000" dist="23000" dir="5400000" rotWithShape="0">
+              <a:srgbClr val="000000">
+                <a:alpha val="35000"/>
+              </a:srgbClr>
+            </a:outerShdw>
+          </a:effectLst>
+          <a:scene3d>
+            <a:camera prst="orthographicFront">
+              <a:rot lat="0" lon="0" rev="0"/>
+            </a:camera>
+            <a:lightRig rig="threePt" dir="t">
+              <a:rot lat="0" lon="0" rev="1200000"/>
+            </a:lightRig>
+          </a:scene3d>
+          <a:sp3d>
+            <a:bevelT w="63500" h="25400"/>
+          </a:sp3d>
+        </a:effectStyle>
+      </a:effectStyleLst>
+      <a:bgFillStyleLst>
+        <a:solidFill>
+          <a:schemeClr val="phClr"/>
+        </a:solidFill>
+        <a:gradFill rotWithShape="1">
+          <a:gsLst>
+            <a:gs pos="0">
+              <a:schemeClr val="phClr">
+                <a:tint val="40000"/>
+                <a:satMod val="350000"/>
+              </a:schemeClr>
+            </a:gs>
+            <a:gs pos="40000">
+              <a:schemeClr val="phClr">
+                <a:tint val="45000"/>
+                <a:shade val="99000"/>
+                <a:satMod val="350000"/>
+              </a:schemeClr>
+            </a:gs>
+            <a:gs pos="100000">
+              <a:schemeClr val="phClr">
+                <a:shade val="20000"/>
+                <a:satMod val="255000"/>
+              </a:schemeClr>
+            </a:gs>
+          </a:gsLst>
+          <a:path path="circle">
+            <a:fillToRect l="50000" t="-80000" r="50000" b="180000"/>
+          </a:path>
+        </a:gradFill>
+        <a:gradFill rotWithShape="1">
+          <a:gsLst>
+            <a:gs pos="0">
+              <a:schemeClr val="phClr">
+                <a:tint val="80000"/>
+                <a:satMod val="300000"/>
+              </a:schemeClr>
+            </a:gs>
+            <a:gs pos="100000">
+              <a:schemeClr val="phClr">
+                <a:shade val="30000"/>
+                <a:satMod val="200000"/>
+              </a:schemeClr>
+            </a:gs>
+          </a:gsLst>
+          <a:path path="circle">
+            <a:fillToRect l="50000" t="50000" r="50000" b="50000"/>
+          </a:path>
+        </a:gradFill>
+      </a:bgFillStyleLst>
+    </a:fmtScheme>
+  </a:themeElements>
+</a:theme>
+</file>
+
+<file path=ppt/theme/theme3.xml><?xml version="1.0" encoding="utf-8"?>
+<a:theme xmlns:a="http://schemas.openxmlformats.org/drawingml/2006/main" name="Office Theme">
+  <a:themeElements>
+    <a:clrScheme name="Office">
+      <a:dk1>
+        <a:sysClr val="windowText" lastClr="000000"/>
+      </a:dk1>
+      <a:lt1>
+        <a:sysClr val="window" lastClr="FFFFFF"/>
+      </a:lt1>
+      <a:dk2>
+        <a:srgbClr val="1F497D"/>
+      </a:dk2>
+      <a:lt2>
+        <a:srgbClr val="EEECE1"/>
+      </a:lt2>
+      <a:accent1>
+        <a:srgbClr val="4F81BD"/>
+      </a:accent1>
+      <a:accent2>
+        <a:srgbClr val="C0504D"/>
+      </a:accent2>
+      <a:accent3>
+        <a:srgbClr val="9BBB59"/>
+      </a:accent3>
+      <a:accent4>
+        <a:srgbClr val="8064A2"/>
+      </a:accent4>
+      <a:accent5>
+        <a:srgbClr val="4BACC6"/>
+      </a:accent5>
+      <a:accent6>
+        <a:srgbClr val="F79646"/>
+      </a:accent6>
+      <a:hlink>
+        <a:srgbClr val="0000FF"/>
+      </a:hlink>
+      <a:folHlink>
+        <a:srgbClr val="800080"/>
+      </a:folHlink>
+    </a:clrScheme>
+    <a:fontScheme name="Office">
+      <a:majorFont>
+        <a:latin typeface="Arial"/>
+        <a:ea typeface="DejaVu Sans"/>
+        <a:cs typeface="DejaVu Sans"/>
+      </a:majorFont>
+      <a:minorFont>
+        <a:latin typeface="Arial"/>
+        <a:ea typeface="DejaVu Sans"/>
+        <a:cs typeface="DejaVu Sans"/>
+      </a:minorFont>
+    </a:fontScheme>
+    <a:fmtScheme name="Office">
+      <a:fillStyleLst>
+        <a:solidFill>
+          <a:schemeClr val="phClr"/>
+        </a:solidFill>
+        <a:gradFill rotWithShape="1">
+          <a:gsLst>
+            <a:gs pos="0">
+              <a:schemeClr val="phClr">
+                <a:tint val="50000"/>
+                <a:satMod val="300000"/>
+              </a:schemeClr>
+            </a:gs>
+            <a:gs pos="35000">
+              <a:schemeClr val="phClr">
+                <a:tint val="37000"/>
+                <a:satMod val="300000"/>
+              </a:schemeClr>
+            </a:gs>
+            <a:gs pos="100000">
+              <a:schemeClr val="phClr">
+                <a:tint val="15000"/>
+                <a:satMod val="350000"/>
+              </a:schemeClr>
+            </a:gs>
+          </a:gsLst>
+          <a:lin ang="16200000" scaled="1"/>
+        </a:gradFill>
+        <a:gradFill rotWithShape="1">
+          <a:gsLst>
+            <a:gs pos="0">
+              <a:schemeClr val="phClr">
+                <a:shade val="51000"/>
+                <a:satMod val="130000"/>
+              </a:schemeClr>
+            </a:gs>
+            <a:gs pos="80000">
+              <a:schemeClr val="phClr">
+                <a:shade val="93000"/>
+                <a:satMod val="130000"/>
+              </a:schemeClr>
+            </a:gs>
+            <a:gs pos="100000">
+              <a:schemeClr val="phClr">
+                <a:shade val="94000"/>
+                <a:satMod val="135000"/>
+              </a:schemeClr>
+            </a:gs>
+          </a:gsLst>
+          <a:lin ang="16200000" scaled="0"/>
+        </a:gradFill>
+      </a:fillStyleLst>
+      <a:lnStyleLst>
+        <a:ln w="9525" cap="flat" cmpd="sng" algn="ctr">
+          <a:solidFill>
+            <a:schemeClr val="phClr">
+              <a:shade val="95000"/>
+              <a:satMod val="105000"/>
+            </a:schemeClr>
+          </a:solidFill>
+          <a:prstDash val="solid"/>
+        </a:ln>
+        <a:ln w="25400" cap="flat" cmpd="sng" algn="ctr">
+          <a:solidFill>
+            <a:schemeClr val="phClr"/>
+          </a:solidFill>
+          <a:prstDash val="solid"/>
+        </a:ln>
+        <a:ln w="38100" cap="flat" cmpd="sng" algn="ctr">
+          <a:solidFill>
+            <a:schemeClr val="phClr"/>
+          </a:solidFill>
+          <a:prstDash val="solid"/>
+        </a:ln>
+      </a:lnStyleLst>
+      <a:effectStyleLst>
+        <a:effectStyle>
+          <a:effectLst>
+            <a:outerShdw blurRad="40000" dist="20000" dir="5400000" rotWithShape="0">
+              <a:srgbClr val="000000">
+                <a:alpha val="38000"/>
+              </a:srgbClr>
+            </a:outerShdw>
+          </a:effectLst>
+        </a:effectStyle>
+        <a:effectStyle>
+          <a:effectLst>
+            <a:outerShdw blurRad="40000" dist="23000" dir="5400000" rotWithShape="0">
+              <a:srgbClr val="000000">
+                <a:alpha val="35000"/>
+              </a:srgbClr>
+            </a:outerShdw>
+          </a:effectLst>
+        </a:effectStyle>
+        <a:effectStyle>
+          <a:effectLst>
+            <a:outerShdw blurRad="40000" dist="23000" dir="5400000" rotWithShape="0">
+              <a:srgbClr val="000000">
+                <a:alpha val="35000"/>
+              </a:srgbClr>
+            </a:outerShdw>
+          </a:effectLst>
+          <a:scene3d>
+            <a:camera prst="orthographicFront">
+              <a:rot lat="0" lon="0" rev="0"/>
+            </a:camera>
+            <a:lightRig rig="threePt" dir="t">
+              <a:rot lat="0" lon="0" rev="1200000"/>
+            </a:lightRig>
+          </a:scene3d>
+          <a:sp3d>
+            <a:bevelT w="63500" h="25400"/>
+          </a:sp3d>
+        </a:effectStyle>
+      </a:effectStyleLst>
+      <a:bgFillStyleLst>
+        <a:solidFill>
+          <a:schemeClr val="phClr"/>
+        </a:solidFill>
+        <a:gradFill rotWithShape="1">
+          <a:gsLst>
+            <a:gs pos="0">
+              <a:schemeClr val="phClr">
+                <a:tint val="40000"/>
+                <a:satMod val="350000"/>
+              </a:schemeClr>
+            </a:gs>
+            <a:gs pos="40000">
+              <a:schemeClr val="phClr">
+                <a:tint val="45000"/>
+                <a:shade val="99000"/>
+                <a:satMod val="350000"/>
+              </a:schemeClr>
+            </a:gs>
+            <a:gs pos="100000">
+              <a:schemeClr val="phClr">
+                <a:shade val="20000"/>
+                <a:satMod val="255000"/>
+              </a:schemeClr>
+            </a:gs>
+          </a:gsLst>
+          <a:path path="circle">
+            <a:fillToRect l="50000" t="-80000" r="50000" b="180000"/>
+          </a:path>
+        </a:gradFill>
+        <a:gradFill rotWithShape="1">
+          <a:gsLst>
+            <a:gs pos="0">
+              <a:schemeClr val="phClr">
+                <a:tint val="80000"/>
+                <a:satMod val="300000"/>
+              </a:schemeClr>
+            </a:gs>
+            <a:gs pos="100000">
+              <a:schemeClr val="phClr">
+                <a:shade val="30000"/>
+                <a:satMod val="200000"/>
+              </a:schemeClr>
+            </a:gs>
+          </a:gsLst>
+          <a:path path="circle">
+            <a:fillToRect l="50000" t="50000" r="50000" b="50000"/>
+          </a:path>
+        </a:gradFill>
+      </a:bgFillStyleLst>
+    </a:fmtScheme>
+  </a:themeElements>
+</a:theme>
 </file>